--- a/assets/img/New Microsoft PowerPoint Presentation.pptx
+++ b/assets/img/New Microsoft PowerPoint Presentation.pptx
@@ -105,6 +105,11 @@
       </a:defRPr>
     </a:lvl9pPr>
   </p:defaultTextStyle>
+  <p:extLst>
+    <p:ext uri="{EFAFB233-063F-42B5-8137-9DF3F51BA10A}">
+      <p15:sldGuideLst xmlns:p15="http://schemas.microsoft.com/office/powerpoint/2012/main"/>
+    </p:ext>
+  </p:extLst>
 </p:presentation>
 </file>
 
@@ -239,7 +244,7 @@
           <a:p>
             <a:fld id="{31AA256B-FC77-4F48-8924-3ED8D94AD555}" type="datetimeFigureOut">
               <a:rPr lang="zh-CN" altLang="en-US" smtClean="0"/>
-              <a:t>2023/12/26</a:t>
+              <a:t>2023/12/27</a:t>
             </a:fld>
             <a:endParaRPr lang="zh-CN" altLang="en-US"/>
           </a:p>
@@ -409,7 +414,7 @@
           <a:p>
             <a:fld id="{31AA256B-FC77-4F48-8924-3ED8D94AD555}" type="datetimeFigureOut">
               <a:rPr lang="zh-CN" altLang="en-US" smtClean="0"/>
-              <a:t>2023/12/26</a:t>
+              <a:t>2023/12/27</a:t>
             </a:fld>
             <a:endParaRPr lang="zh-CN" altLang="en-US"/>
           </a:p>
@@ -589,7 +594,7 @@
           <a:p>
             <a:fld id="{31AA256B-FC77-4F48-8924-3ED8D94AD555}" type="datetimeFigureOut">
               <a:rPr lang="zh-CN" altLang="en-US" smtClean="0"/>
-              <a:t>2023/12/26</a:t>
+              <a:t>2023/12/27</a:t>
             </a:fld>
             <a:endParaRPr lang="zh-CN" altLang="en-US"/>
           </a:p>
@@ -759,7 +764,7 @@
           <a:p>
             <a:fld id="{31AA256B-FC77-4F48-8924-3ED8D94AD555}" type="datetimeFigureOut">
               <a:rPr lang="zh-CN" altLang="en-US" smtClean="0"/>
-              <a:t>2023/12/26</a:t>
+              <a:t>2023/12/27</a:t>
             </a:fld>
             <a:endParaRPr lang="zh-CN" altLang="en-US"/>
           </a:p>
@@ -1003,7 +1008,7 @@
           <a:p>
             <a:fld id="{31AA256B-FC77-4F48-8924-3ED8D94AD555}" type="datetimeFigureOut">
               <a:rPr lang="zh-CN" altLang="en-US" smtClean="0"/>
-              <a:t>2023/12/26</a:t>
+              <a:t>2023/12/27</a:t>
             </a:fld>
             <a:endParaRPr lang="zh-CN" altLang="en-US"/>
           </a:p>
@@ -1235,7 +1240,7 @@
           <a:p>
             <a:fld id="{31AA256B-FC77-4F48-8924-3ED8D94AD555}" type="datetimeFigureOut">
               <a:rPr lang="zh-CN" altLang="en-US" smtClean="0"/>
-              <a:t>2023/12/26</a:t>
+              <a:t>2023/12/27</a:t>
             </a:fld>
             <a:endParaRPr lang="zh-CN" altLang="en-US"/>
           </a:p>
@@ -1602,7 +1607,7 @@
           <a:p>
             <a:fld id="{31AA256B-FC77-4F48-8924-3ED8D94AD555}" type="datetimeFigureOut">
               <a:rPr lang="zh-CN" altLang="en-US" smtClean="0"/>
-              <a:t>2023/12/26</a:t>
+              <a:t>2023/12/27</a:t>
             </a:fld>
             <a:endParaRPr lang="zh-CN" altLang="en-US"/>
           </a:p>
@@ -1720,7 +1725,7 @@
           <a:p>
             <a:fld id="{31AA256B-FC77-4F48-8924-3ED8D94AD555}" type="datetimeFigureOut">
               <a:rPr lang="zh-CN" altLang="en-US" smtClean="0"/>
-              <a:t>2023/12/26</a:t>
+              <a:t>2023/12/27</a:t>
             </a:fld>
             <a:endParaRPr lang="zh-CN" altLang="en-US"/>
           </a:p>
@@ -1815,7 +1820,7 @@
           <a:p>
             <a:fld id="{31AA256B-FC77-4F48-8924-3ED8D94AD555}" type="datetimeFigureOut">
               <a:rPr lang="zh-CN" altLang="en-US" smtClean="0"/>
-              <a:t>2023/12/26</a:t>
+              <a:t>2023/12/27</a:t>
             </a:fld>
             <a:endParaRPr lang="zh-CN" altLang="en-US"/>
           </a:p>
@@ -2092,7 +2097,7 @@
           <a:p>
             <a:fld id="{31AA256B-FC77-4F48-8924-3ED8D94AD555}" type="datetimeFigureOut">
               <a:rPr lang="zh-CN" altLang="en-US" smtClean="0"/>
-              <a:t>2023/12/26</a:t>
+              <a:t>2023/12/27</a:t>
             </a:fld>
             <a:endParaRPr lang="zh-CN" altLang="en-US"/>
           </a:p>
@@ -2349,7 +2354,7 @@
           <a:p>
             <a:fld id="{31AA256B-FC77-4F48-8924-3ED8D94AD555}" type="datetimeFigureOut">
               <a:rPr lang="zh-CN" altLang="en-US" smtClean="0"/>
-              <a:t>2023/12/26</a:t>
+              <a:t>2023/12/27</a:t>
             </a:fld>
             <a:endParaRPr lang="zh-CN" altLang="en-US"/>
           </a:p>
@@ -2562,7 +2567,7 @@
           <a:p>
             <a:fld id="{31AA256B-FC77-4F48-8924-3ED8D94AD555}" type="datetimeFigureOut">
               <a:rPr lang="zh-CN" altLang="en-US" smtClean="0"/>
-              <a:t>2023/12/26</a:t>
+              <a:t>2023/12/27</a:t>
             </a:fld>
             <a:endParaRPr lang="zh-CN" altLang="en-US"/>
           </a:p>
@@ -3181,8 +3186,8 @@
         </p:nvSpPr>
         <p:spPr>
           <a:xfrm>
-            <a:off x="-3" y="7877908"/>
-            <a:ext cx="9136383" cy="2444261"/>
+            <a:off x="-3" y="8880231"/>
+            <a:ext cx="9136383" cy="1441938"/>
           </a:xfrm>
           <a:prstGeom prst="rect">
             <a:avLst/>
@@ -3221,10 +3226,10 @@
       </p:sp>
       <p:sp>
         <p:nvSpPr>
-          <p:cNvPr id="4" name="矩形 3">
+          <p:cNvPr id="6" name="矩形 5">
             <a:extLst>
               <a:ext uri="{FF2B5EF4-FFF2-40B4-BE49-F238E27FC236}">
-                <a16:creationId xmlns:a16="http://schemas.microsoft.com/office/drawing/2014/main" id="{D82E95FD-AA91-CCFA-B62A-E444AFC6B427}"/>
+                <a16:creationId xmlns:a16="http://schemas.microsoft.com/office/drawing/2014/main" id="{063000C0-1308-9BAD-0196-E44396A20BD4}"/>
               </a:ext>
             </a:extLst>
           </p:cNvPr>
@@ -3233,8 +3238,8 @@
         </p:nvSpPr>
         <p:spPr>
           <a:xfrm>
-            <a:off x="7618" y="6330462"/>
-            <a:ext cx="3245536" cy="1547447"/>
+            <a:off x="6471138" y="6096000"/>
+            <a:ext cx="2665242" cy="2784231"/>
           </a:xfrm>
           <a:prstGeom prst="rect">
             <a:avLst/>
@@ -3273,10 +3278,10 @@
       </p:sp>
       <p:sp>
         <p:nvSpPr>
-          <p:cNvPr id="6" name="矩形 5">
+          <p:cNvPr id="10" name="矩形 9">
             <a:extLst>
               <a:ext uri="{FF2B5EF4-FFF2-40B4-BE49-F238E27FC236}">
-                <a16:creationId xmlns:a16="http://schemas.microsoft.com/office/drawing/2014/main" id="{063000C0-1308-9BAD-0196-E44396A20BD4}"/>
+                <a16:creationId xmlns:a16="http://schemas.microsoft.com/office/drawing/2014/main" id="{041FF508-D713-D937-77F9-28DE00AE475F}"/>
               </a:ext>
             </a:extLst>
           </p:cNvPr>
@@ -3285,8 +3290,8 @@
         </p:nvSpPr>
         <p:spPr>
           <a:xfrm>
-            <a:off x="5750169" y="6096000"/>
-            <a:ext cx="3386211" cy="1817077"/>
+            <a:off x="7621" y="6096000"/>
+            <a:ext cx="2524564" cy="2784231"/>
           </a:xfrm>
           <a:prstGeom prst="rect">
             <a:avLst/>
@@ -3325,10 +3330,10 @@
       </p:sp>
       <p:sp>
         <p:nvSpPr>
-          <p:cNvPr id="7" name="矩形 6">
+          <p:cNvPr id="7" name="任意多边形: 形状 6">
             <a:extLst>
               <a:ext uri="{FF2B5EF4-FFF2-40B4-BE49-F238E27FC236}">
-                <a16:creationId xmlns:a16="http://schemas.microsoft.com/office/drawing/2014/main" id="{A7B9A96B-94EE-1F15-79D1-31C3BCCFB897}"/>
+                <a16:creationId xmlns:a16="http://schemas.microsoft.com/office/drawing/2014/main" id="{0EDF6ECD-638D-7343-5A85-77F8AC86E4F3}"/>
               </a:ext>
             </a:extLst>
           </p:cNvPr>
@@ -3336,13 +3341,184 @@
           <p:nvPr/>
         </p:nvSpPr>
         <p:spPr>
-          <a:xfrm rot="18361640">
-            <a:off x="4197742" y="6969368"/>
-            <a:ext cx="3386211" cy="1817077"/>
+          <a:xfrm>
+            <a:off x="2384172" y="5957625"/>
+            <a:ext cx="4532731" cy="2367342"/>
           </a:xfrm>
-          <a:prstGeom prst="rect">
+          <a:custGeom>
             <a:avLst/>
-          </a:prstGeom>
+            <a:gdLst>
+              <a:gd name="connsiteX0" fmla="*/ 3393938 w 4532731"/>
+              <a:gd name="connsiteY0" fmla="*/ 286100 h 2367342"/>
+              <a:gd name="connsiteX1" fmla="*/ 3410768 w 4532731"/>
+              <a:gd name="connsiteY1" fmla="*/ 673177 h 2367342"/>
+              <a:gd name="connsiteX2" fmla="*/ 3001251 w 4532731"/>
+              <a:gd name="connsiteY2" fmla="*/ 1234159 h 2367342"/>
+              <a:gd name="connsiteX3" fmla="*/ 2507588 w 4532731"/>
+              <a:gd name="connsiteY3" fmla="*/ 1767092 h 2367342"/>
+              <a:gd name="connsiteX4" fmla="*/ 2271975 w 4532731"/>
+              <a:gd name="connsiteY4" fmla="*/ 1840019 h 2367342"/>
+              <a:gd name="connsiteX5" fmla="*/ 2137340 w 4532731"/>
+              <a:gd name="connsiteY5" fmla="*/ 1840019 h 2367342"/>
+              <a:gd name="connsiteX6" fmla="*/ 1834410 w 4532731"/>
+              <a:gd name="connsiteY6" fmla="*/ 1604407 h 2367342"/>
+              <a:gd name="connsiteX7" fmla="*/ 1380015 w 4532731"/>
+              <a:gd name="connsiteY7" fmla="*/ 1155622 h 2367342"/>
+              <a:gd name="connsiteX8" fmla="*/ 1009767 w 4532731"/>
+              <a:gd name="connsiteY8" fmla="*/ 712446 h 2367342"/>
+              <a:gd name="connsiteX9" fmla="*/ 869521 w 4532731"/>
+              <a:gd name="connsiteY9" fmla="*/ 353418 h 2367342"/>
+              <a:gd name="connsiteX10" fmla="*/ 841472 w 4532731"/>
+              <a:gd name="connsiteY10" fmla="*/ 263661 h 2367342"/>
+              <a:gd name="connsiteX11" fmla="*/ 645129 w 4532731"/>
+              <a:gd name="connsiteY11" fmla="*/ 246831 h 2367342"/>
+              <a:gd name="connsiteX12" fmla="*/ 0 w 4532731"/>
+              <a:gd name="connsiteY12" fmla="*/ 673177 h 2367342"/>
+              <a:gd name="connsiteX13" fmla="*/ 44878 w 4532731"/>
+              <a:gd name="connsiteY13" fmla="*/ 2294414 h 2367342"/>
+              <a:gd name="connsiteX14" fmla="*/ 4532731 w 4532731"/>
+              <a:gd name="connsiteY14" fmla="*/ 2367342 h 2367342"/>
+              <a:gd name="connsiteX15" fmla="*/ 4471023 w 4532731"/>
+              <a:gd name="connsiteY15" fmla="*/ 0 h 2367342"/>
+              <a:gd name="connsiteX16" fmla="*/ 3595892 w 4532731"/>
+              <a:gd name="connsiteY16" fmla="*/ 100976 h 2367342"/>
+              <a:gd name="connsiteX17" fmla="*/ 3450037 w 4532731"/>
+              <a:gd name="connsiteY17" fmla="*/ 173904 h 2367342"/>
+              <a:gd name="connsiteX18" fmla="*/ 3388329 w 4532731"/>
+              <a:gd name="connsiteY18" fmla="*/ 224392 h 2367342"/>
+              <a:gd name="connsiteX19" fmla="*/ 3393938 w 4532731"/>
+              <a:gd name="connsiteY19" fmla="*/ 286100 h 2367342"/>
+            </a:gdLst>
+            <a:ahLst/>
+            <a:cxnLst>
+              <a:cxn ang="0">
+                <a:pos x="connsiteX0" y="connsiteY0"/>
+              </a:cxn>
+              <a:cxn ang="0">
+                <a:pos x="connsiteX1" y="connsiteY1"/>
+              </a:cxn>
+              <a:cxn ang="0">
+                <a:pos x="connsiteX2" y="connsiteY2"/>
+              </a:cxn>
+              <a:cxn ang="0">
+                <a:pos x="connsiteX3" y="connsiteY3"/>
+              </a:cxn>
+              <a:cxn ang="0">
+                <a:pos x="connsiteX4" y="connsiteY4"/>
+              </a:cxn>
+              <a:cxn ang="0">
+                <a:pos x="connsiteX5" y="connsiteY5"/>
+              </a:cxn>
+              <a:cxn ang="0">
+                <a:pos x="connsiteX6" y="connsiteY6"/>
+              </a:cxn>
+              <a:cxn ang="0">
+                <a:pos x="connsiteX7" y="connsiteY7"/>
+              </a:cxn>
+              <a:cxn ang="0">
+                <a:pos x="connsiteX8" y="connsiteY8"/>
+              </a:cxn>
+              <a:cxn ang="0">
+                <a:pos x="connsiteX9" y="connsiteY9"/>
+              </a:cxn>
+              <a:cxn ang="0">
+                <a:pos x="connsiteX10" y="connsiteY10"/>
+              </a:cxn>
+              <a:cxn ang="0">
+                <a:pos x="connsiteX11" y="connsiteY11"/>
+              </a:cxn>
+              <a:cxn ang="0">
+                <a:pos x="connsiteX12" y="connsiteY12"/>
+              </a:cxn>
+              <a:cxn ang="0">
+                <a:pos x="connsiteX13" y="connsiteY13"/>
+              </a:cxn>
+              <a:cxn ang="0">
+                <a:pos x="connsiteX14" y="connsiteY14"/>
+              </a:cxn>
+              <a:cxn ang="0">
+                <a:pos x="connsiteX15" y="connsiteY15"/>
+              </a:cxn>
+              <a:cxn ang="0">
+                <a:pos x="connsiteX16" y="connsiteY16"/>
+              </a:cxn>
+              <a:cxn ang="0">
+                <a:pos x="connsiteX17" y="connsiteY17"/>
+              </a:cxn>
+              <a:cxn ang="0">
+                <a:pos x="connsiteX18" y="connsiteY18"/>
+              </a:cxn>
+              <a:cxn ang="0">
+                <a:pos x="connsiteX19" y="connsiteY19"/>
+              </a:cxn>
+            </a:cxnLst>
+            <a:rect l="l" t="t" r="r" b="b"/>
+            <a:pathLst>
+              <a:path w="4532731" h="2367342">
+                <a:moveTo>
+                  <a:pt x="3393938" y="286100"/>
+                </a:moveTo>
+                <a:lnTo>
+                  <a:pt x="3410768" y="673177"/>
+                </a:lnTo>
+                <a:lnTo>
+                  <a:pt x="3001251" y="1234159"/>
+                </a:lnTo>
+                <a:lnTo>
+                  <a:pt x="2507588" y="1767092"/>
+                </a:lnTo>
+                <a:lnTo>
+                  <a:pt x="2271975" y="1840019"/>
+                </a:lnTo>
+                <a:lnTo>
+                  <a:pt x="2137340" y="1840019"/>
+                </a:lnTo>
+                <a:lnTo>
+                  <a:pt x="1834410" y="1604407"/>
+                </a:lnTo>
+                <a:lnTo>
+                  <a:pt x="1380015" y="1155622"/>
+                </a:lnTo>
+                <a:lnTo>
+                  <a:pt x="1009767" y="712446"/>
+                </a:lnTo>
+                <a:lnTo>
+                  <a:pt x="869521" y="353418"/>
+                </a:lnTo>
+                <a:lnTo>
+                  <a:pt x="841472" y="263661"/>
+                </a:lnTo>
+                <a:lnTo>
+                  <a:pt x="645129" y="246831"/>
+                </a:lnTo>
+                <a:lnTo>
+                  <a:pt x="0" y="673177"/>
+                </a:lnTo>
+                <a:lnTo>
+                  <a:pt x="44878" y="2294414"/>
+                </a:lnTo>
+                <a:lnTo>
+                  <a:pt x="4532731" y="2367342"/>
+                </a:lnTo>
+                <a:lnTo>
+                  <a:pt x="4471023" y="0"/>
+                </a:lnTo>
+                <a:lnTo>
+                  <a:pt x="3595892" y="100976"/>
+                </a:lnTo>
+                <a:lnTo>
+                  <a:pt x="3450037" y="173904"/>
+                </a:lnTo>
+                <a:lnTo>
+                  <a:pt x="3388329" y="224392"/>
+                </a:lnTo>
+                <a:lnTo>
+                  <a:pt x="3393938" y="286100"/>
+                </a:lnTo>
+                <a:close/>
+              </a:path>
+            </a:pathLst>
+          </a:custGeom>
           <a:solidFill>
             <a:schemeClr val="bg1"/>
           </a:solidFill>
@@ -3377,10 +3553,10 @@
       </p:sp>
       <p:sp>
         <p:nvSpPr>
-          <p:cNvPr id="8" name="矩形 7">
+          <p:cNvPr id="9" name="矩形 8">
             <a:extLst>
               <a:ext uri="{FF2B5EF4-FFF2-40B4-BE49-F238E27FC236}">
-                <a16:creationId xmlns:a16="http://schemas.microsoft.com/office/drawing/2014/main" id="{2E30F169-5BFA-397C-178E-FD48331641C9}"/>
+                <a16:creationId xmlns:a16="http://schemas.microsoft.com/office/drawing/2014/main" id="{7D8F15C8-7B40-883A-D891-488D38E3BB87}"/>
               </a:ext>
             </a:extLst>
           </p:cNvPr>
@@ -3388,61 +3564,9 @@
           <p:nvPr/>
         </p:nvSpPr>
         <p:spPr>
-          <a:xfrm rot="2549782">
-            <a:off x="1691560" y="6969367"/>
-            <a:ext cx="3386211" cy="1817077"/>
-          </a:xfrm>
-          <a:prstGeom prst="rect">
-            <a:avLst/>
-          </a:prstGeom>
-          <a:solidFill>
-            <a:schemeClr val="bg1"/>
-          </a:solidFill>
-          <a:ln>
-            <a:noFill/>
-          </a:ln>
-        </p:spPr>
-        <p:style>
-          <a:lnRef idx="2">
-            <a:schemeClr val="accent1">
-              <a:shade val="15000"/>
-            </a:schemeClr>
-          </a:lnRef>
-          <a:fillRef idx="1">
-            <a:schemeClr val="accent1"/>
-          </a:fillRef>
-          <a:effectRef idx="0">
-            <a:schemeClr val="accent1"/>
-          </a:effectRef>
-          <a:fontRef idx="minor">
-            <a:schemeClr val="lt1"/>
-          </a:fontRef>
-        </p:style>
-        <p:txBody>
-          <a:bodyPr rtlCol="0" anchor="ctr"/>
-          <a:lstStyle/>
-          <a:p>
-            <a:pPr algn="ctr"/>
-            <a:endParaRPr lang="zh-CN" altLang="en-US"/>
-          </a:p>
-        </p:txBody>
-      </p:sp>
-      <p:sp>
-        <p:nvSpPr>
-          <p:cNvPr id="9" name="矩形 8">
-            <a:extLst>
-              <a:ext uri="{FF2B5EF4-FFF2-40B4-BE49-F238E27FC236}">
-                <a16:creationId xmlns:a16="http://schemas.microsoft.com/office/drawing/2014/main" id="{C294B9FD-9542-E119-CC9A-47B9DA93EB57}"/>
-              </a:ext>
-            </a:extLst>
-          </p:cNvPr>
-          <p:cNvSpPr/>
-          <p:nvPr/>
-        </p:nvSpPr>
-        <p:spPr>
-          <a:xfrm rot="352481">
-            <a:off x="3131400" y="7741131"/>
-            <a:ext cx="3386211" cy="1817077"/>
+          <a:xfrm>
+            <a:off x="160020" y="8048445"/>
+            <a:ext cx="8656175" cy="984186"/>
           </a:xfrm>
           <a:prstGeom prst="rect">
             <a:avLst/>

--- a/assets/img/New Microsoft PowerPoint Presentation.pptx
+++ b/assets/img/New Microsoft PowerPoint Presentation.pptx
@@ -2,13 +2,14 @@
 <file path=ppt/presentation.xml><?xml version="1.0" encoding="utf-8"?>
 <p:presentation xmlns:a="http://schemas.openxmlformats.org/drawingml/2006/main" xmlns:r="http://schemas.openxmlformats.org/officeDocument/2006/relationships" xmlns:p="http://schemas.openxmlformats.org/presentationml/2006/main" saveSubsetFonts="1">
   <p:sldMasterIdLst>
-    <p:sldMasterId id="2147483696" r:id="rId1"/>
+    <p:sldMasterId id="2147483708" r:id="rId1"/>
   </p:sldMasterIdLst>
   <p:sldIdLst>
     <p:sldId id="256" r:id="rId2"/>
     <p:sldId id="257" r:id="rId3"/>
+    <p:sldId id="258" r:id="rId4"/>
   </p:sldIdLst>
-  <p:sldSz cx="9144000" cy="12192000"/>
+  <p:sldSz cx="21674138" cy="12192000"/>
   <p:notesSz cx="6858000" cy="9144000"/>
   <p:defaultTextStyle>
     <a:defPPr>
@@ -142,15 +143,15 @@
         </p:nvSpPr>
         <p:spPr>
           <a:xfrm>
-            <a:off x="685800" y="1995312"/>
-            <a:ext cx="7772400" cy="4244622"/>
+            <a:off x="2709267" y="1995312"/>
+            <a:ext cx="16255604" cy="4244622"/>
           </a:xfrm>
         </p:spPr>
         <p:txBody>
           <a:bodyPr anchor="b"/>
           <a:lstStyle>
             <a:lvl1pPr algn="ctr">
-              <a:defRPr sz="6000"/>
+              <a:defRPr sz="10666"/>
             </a:lvl1pPr>
           </a:lstStyle>
           <a:p>
@@ -174,8 +175,8 @@
         </p:nvSpPr>
         <p:spPr>
           <a:xfrm>
-            <a:off x="1143000" y="6403623"/>
-            <a:ext cx="6858000" cy="2943577"/>
+            <a:off x="2709267" y="6403623"/>
+            <a:ext cx="16255604" cy="2943577"/>
           </a:xfrm>
         </p:spPr>
         <p:txBody>
@@ -183,39 +184,39 @@
           <a:lstStyle>
             <a:lvl1pPr marL="0" indent="0" algn="ctr">
               <a:buNone/>
-              <a:defRPr sz="2400"/>
+              <a:defRPr sz="4266"/>
             </a:lvl1pPr>
-            <a:lvl2pPr marL="457200" indent="0" algn="ctr">
-              <a:buNone/>
-              <a:defRPr sz="2000"/>
+            <a:lvl2pPr marL="812764" indent="0" algn="ctr">
+              <a:buNone/>
+              <a:defRPr sz="3555"/>
             </a:lvl2pPr>
-            <a:lvl3pPr marL="914400" indent="0" algn="ctr">
-              <a:buNone/>
-              <a:defRPr sz="1800"/>
+            <a:lvl3pPr marL="1625529" indent="0" algn="ctr">
+              <a:buNone/>
+              <a:defRPr sz="3200"/>
             </a:lvl3pPr>
-            <a:lvl4pPr marL="1371600" indent="0" algn="ctr">
-              <a:buNone/>
-              <a:defRPr sz="1600"/>
+            <a:lvl4pPr marL="2438293" indent="0" algn="ctr">
+              <a:buNone/>
+              <a:defRPr sz="2844"/>
             </a:lvl4pPr>
-            <a:lvl5pPr marL="1828800" indent="0" algn="ctr">
-              <a:buNone/>
-              <a:defRPr sz="1600"/>
+            <a:lvl5pPr marL="3251058" indent="0" algn="ctr">
+              <a:buNone/>
+              <a:defRPr sz="2844"/>
             </a:lvl5pPr>
-            <a:lvl6pPr marL="2286000" indent="0" algn="ctr">
-              <a:buNone/>
-              <a:defRPr sz="1600"/>
+            <a:lvl6pPr marL="4063822" indent="0" algn="ctr">
+              <a:buNone/>
+              <a:defRPr sz="2844"/>
             </a:lvl6pPr>
-            <a:lvl7pPr marL="2743200" indent="0" algn="ctr">
-              <a:buNone/>
-              <a:defRPr sz="1600"/>
+            <a:lvl7pPr marL="4876587" indent="0" algn="ctr">
+              <a:buNone/>
+              <a:defRPr sz="2844"/>
             </a:lvl7pPr>
-            <a:lvl8pPr marL="3200400" indent="0" algn="ctr">
-              <a:buNone/>
-              <a:defRPr sz="1600"/>
+            <a:lvl8pPr marL="5689351" indent="0" algn="ctr">
+              <a:buNone/>
+              <a:defRPr sz="2844"/>
             </a:lvl8pPr>
-            <a:lvl9pPr marL="3657600" indent="0" algn="ctr">
-              <a:buNone/>
-              <a:defRPr sz="1600"/>
+            <a:lvl9pPr marL="6502116" indent="0" algn="ctr">
+              <a:buNone/>
+              <a:defRPr sz="2844"/>
             </a:lvl9pPr>
           </a:lstStyle>
           <a:p>
@@ -244,7 +245,7 @@
           <a:p>
             <a:fld id="{31AA256B-FC77-4F48-8924-3ED8D94AD555}" type="datetimeFigureOut">
               <a:rPr lang="zh-CN" altLang="en-US" smtClean="0"/>
-              <a:t>2023/12/27</a:t>
+              <a:t>2024/1/9</a:t>
             </a:fld>
             <a:endParaRPr lang="zh-CN" altLang="en-US"/>
           </a:p>
@@ -295,7 +296,7 @@
     </p:spTree>
     <p:extLst>
       <p:ext uri="{BB962C8B-B14F-4D97-AF65-F5344CB8AC3E}">
-        <p14:creationId xmlns:p14="http://schemas.microsoft.com/office/powerpoint/2010/main" val="1852959533"/>
+        <p14:creationId xmlns:p14="http://schemas.microsoft.com/office/powerpoint/2010/main" val="425660600"/>
       </p:ext>
     </p:extLst>
   </p:cSld>
@@ -414,7 +415,7 @@
           <a:p>
             <a:fld id="{31AA256B-FC77-4F48-8924-3ED8D94AD555}" type="datetimeFigureOut">
               <a:rPr lang="zh-CN" altLang="en-US" smtClean="0"/>
-              <a:t>2023/12/27</a:t>
+              <a:t>2024/1/9</a:t>
             </a:fld>
             <a:endParaRPr lang="zh-CN" altLang="en-US"/>
           </a:p>
@@ -465,7 +466,7 @@
     </p:spTree>
     <p:extLst>
       <p:ext uri="{BB962C8B-B14F-4D97-AF65-F5344CB8AC3E}">
-        <p14:creationId xmlns:p14="http://schemas.microsoft.com/office/powerpoint/2010/main" val="3499848334"/>
+        <p14:creationId xmlns:p14="http://schemas.microsoft.com/office/powerpoint/2010/main" val="3022819902"/>
       </p:ext>
     </p:extLst>
   </p:cSld>
@@ -504,8 +505,8 @@
         </p:nvSpPr>
         <p:spPr>
           <a:xfrm>
-            <a:off x="6543676" y="649111"/>
-            <a:ext cx="1971675" cy="10332156"/>
+            <a:off x="15510555" y="649111"/>
+            <a:ext cx="4673486" cy="10332156"/>
           </a:xfrm>
         </p:spPr>
         <p:txBody>
@@ -532,8 +533,8 @@
         </p:nvSpPr>
         <p:spPr>
           <a:xfrm>
-            <a:off x="628651" y="649111"/>
-            <a:ext cx="5800725" cy="10332156"/>
+            <a:off x="1490097" y="649111"/>
+            <a:ext cx="13749531" cy="10332156"/>
           </a:xfrm>
         </p:spPr>
         <p:txBody>
@@ -594,7 +595,7 @@
           <a:p>
             <a:fld id="{31AA256B-FC77-4F48-8924-3ED8D94AD555}" type="datetimeFigureOut">
               <a:rPr lang="zh-CN" altLang="en-US" smtClean="0"/>
-              <a:t>2023/12/27</a:t>
+              <a:t>2024/1/9</a:t>
             </a:fld>
             <a:endParaRPr lang="zh-CN" altLang="en-US"/>
           </a:p>
@@ -645,7 +646,7 @@
     </p:spTree>
     <p:extLst>
       <p:ext uri="{BB962C8B-B14F-4D97-AF65-F5344CB8AC3E}">
-        <p14:creationId xmlns:p14="http://schemas.microsoft.com/office/powerpoint/2010/main" val="1098912815"/>
+        <p14:creationId xmlns:p14="http://schemas.microsoft.com/office/powerpoint/2010/main" val="2986115118"/>
       </p:ext>
     </p:extLst>
   </p:cSld>
@@ -764,7 +765,7 @@
           <a:p>
             <a:fld id="{31AA256B-FC77-4F48-8924-3ED8D94AD555}" type="datetimeFigureOut">
               <a:rPr lang="zh-CN" altLang="en-US" smtClean="0"/>
-              <a:t>2023/12/27</a:t>
+              <a:t>2024/1/9</a:t>
             </a:fld>
             <a:endParaRPr lang="zh-CN" altLang="en-US"/>
           </a:p>
@@ -815,7 +816,7 @@
     </p:spTree>
     <p:extLst>
       <p:ext uri="{BB962C8B-B14F-4D97-AF65-F5344CB8AC3E}">
-        <p14:creationId xmlns:p14="http://schemas.microsoft.com/office/powerpoint/2010/main" val="3728181075"/>
+        <p14:creationId xmlns:p14="http://schemas.microsoft.com/office/powerpoint/2010/main" val="1273678206"/>
       </p:ext>
     </p:extLst>
   </p:cSld>
@@ -854,15 +855,15 @@
         </p:nvSpPr>
         <p:spPr>
           <a:xfrm>
-            <a:off x="623888" y="3039537"/>
-            <a:ext cx="7886700" cy="5071532"/>
+            <a:off x="1478808" y="3039535"/>
+            <a:ext cx="18693944" cy="5071532"/>
           </a:xfrm>
         </p:spPr>
         <p:txBody>
           <a:bodyPr anchor="b"/>
           <a:lstStyle>
             <a:lvl1pPr>
-              <a:defRPr sz="6000"/>
+              <a:defRPr sz="10666"/>
             </a:lvl1pPr>
           </a:lstStyle>
           <a:p>
@@ -886,8 +887,8 @@
         </p:nvSpPr>
         <p:spPr>
           <a:xfrm>
-            <a:off x="623888" y="8159048"/>
-            <a:ext cx="7886700" cy="2666999"/>
+            <a:off x="1478808" y="8159046"/>
+            <a:ext cx="18693944" cy="2666999"/>
           </a:xfrm>
         </p:spPr>
         <p:txBody>
@@ -895,15 +896,17 @@
           <a:lstStyle>
             <a:lvl1pPr marL="0" indent="0">
               <a:buNone/>
-              <a:defRPr sz="2400">
+              <a:defRPr sz="4266">
                 <a:solidFill>
-                  <a:schemeClr val="tx1"/>
+                  <a:schemeClr val="tx1">
+                    <a:tint val="75000"/>
+                  </a:schemeClr>
                 </a:solidFill>
               </a:defRPr>
             </a:lvl1pPr>
-            <a:lvl2pPr marL="457200" indent="0">
-              <a:buNone/>
-              <a:defRPr sz="2000">
+            <a:lvl2pPr marL="812764" indent="0">
+              <a:buNone/>
+              <a:defRPr sz="3555">
                 <a:solidFill>
                   <a:schemeClr val="tx1">
                     <a:tint val="75000"/>
@@ -911,9 +914,9 @@
                 </a:solidFill>
               </a:defRPr>
             </a:lvl2pPr>
-            <a:lvl3pPr marL="914400" indent="0">
-              <a:buNone/>
-              <a:defRPr sz="1800">
+            <a:lvl3pPr marL="1625529" indent="0">
+              <a:buNone/>
+              <a:defRPr sz="3200">
                 <a:solidFill>
                   <a:schemeClr val="tx1">
                     <a:tint val="75000"/>
@@ -921,9 +924,9 @@
                 </a:solidFill>
               </a:defRPr>
             </a:lvl3pPr>
-            <a:lvl4pPr marL="1371600" indent="0">
-              <a:buNone/>
-              <a:defRPr sz="1600">
+            <a:lvl4pPr marL="2438293" indent="0">
+              <a:buNone/>
+              <a:defRPr sz="2844">
                 <a:solidFill>
                   <a:schemeClr val="tx1">
                     <a:tint val="75000"/>
@@ -931,9 +934,9 @@
                 </a:solidFill>
               </a:defRPr>
             </a:lvl4pPr>
-            <a:lvl5pPr marL="1828800" indent="0">
-              <a:buNone/>
-              <a:defRPr sz="1600">
+            <a:lvl5pPr marL="3251058" indent="0">
+              <a:buNone/>
+              <a:defRPr sz="2844">
                 <a:solidFill>
                   <a:schemeClr val="tx1">
                     <a:tint val="75000"/>
@@ -941,9 +944,9 @@
                 </a:solidFill>
               </a:defRPr>
             </a:lvl5pPr>
-            <a:lvl6pPr marL="2286000" indent="0">
-              <a:buNone/>
-              <a:defRPr sz="1600">
+            <a:lvl6pPr marL="4063822" indent="0">
+              <a:buNone/>
+              <a:defRPr sz="2844">
                 <a:solidFill>
                   <a:schemeClr val="tx1">
                     <a:tint val="75000"/>
@@ -951,9 +954,9 @@
                 </a:solidFill>
               </a:defRPr>
             </a:lvl6pPr>
-            <a:lvl7pPr marL="2743200" indent="0">
-              <a:buNone/>
-              <a:defRPr sz="1600">
+            <a:lvl7pPr marL="4876587" indent="0">
+              <a:buNone/>
+              <a:defRPr sz="2844">
                 <a:solidFill>
                   <a:schemeClr val="tx1">
                     <a:tint val="75000"/>
@@ -961,9 +964,9 @@
                 </a:solidFill>
               </a:defRPr>
             </a:lvl7pPr>
-            <a:lvl8pPr marL="3200400" indent="0">
-              <a:buNone/>
-              <a:defRPr sz="1600">
+            <a:lvl8pPr marL="5689351" indent="0">
+              <a:buNone/>
+              <a:defRPr sz="2844">
                 <a:solidFill>
                   <a:schemeClr val="tx1">
                     <a:tint val="75000"/>
@@ -971,9 +974,9 @@
                 </a:solidFill>
               </a:defRPr>
             </a:lvl8pPr>
-            <a:lvl9pPr marL="3657600" indent="0">
-              <a:buNone/>
-              <a:defRPr sz="1600">
+            <a:lvl9pPr marL="6502116" indent="0">
+              <a:buNone/>
+              <a:defRPr sz="2844">
                 <a:solidFill>
                   <a:schemeClr val="tx1">
                     <a:tint val="75000"/>
@@ -1008,7 +1011,7 @@
           <a:p>
             <a:fld id="{31AA256B-FC77-4F48-8924-3ED8D94AD555}" type="datetimeFigureOut">
               <a:rPr lang="zh-CN" altLang="en-US" smtClean="0"/>
-              <a:t>2023/12/27</a:t>
+              <a:t>2024/1/9</a:t>
             </a:fld>
             <a:endParaRPr lang="zh-CN" altLang="en-US"/>
           </a:p>
@@ -1059,7 +1062,7 @@
     </p:spTree>
     <p:extLst>
       <p:ext uri="{BB962C8B-B14F-4D97-AF65-F5344CB8AC3E}">
-        <p14:creationId xmlns:p14="http://schemas.microsoft.com/office/powerpoint/2010/main" val="3748397655"/>
+        <p14:creationId xmlns:p14="http://schemas.microsoft.com/office/powerpoint/2010/main" val="1121456133"/>
       </p:ext>
     </p:extLst>
   </p:cSld>
@@ -1121,8 +1124,8 @@
         </p:nvSpPr>
         <p:spPr>
           <a:xfrm>
-            <a:off x="628650" y="3245556"/>
-            <a:ext cx="3886200" cy="7735712"/>
+            <a:off x="1490097" y="3245556"/>
+            <a:ext cx="9211509" cy="7735712"/>
           </a:xfrm>
         </p:spPr>
         <p:txBody>
@@ -1178,8 +1181,8 @@
         </p:nvSpPr>
         <p:spPr>
           <a:xfrm>
-            <a:off x="4629150" y="3245556"/>
-            <a:ext cx="3886200" cy="7735712"/>
+            <a:off x="10972532" y="3245556"/>
+            <a:ext cx="9211509" cy="7735712"/>
           </a:xfrm>
         </p:spPr>
         <p:txBody>
@@ -1240,7 +1243,7 @@
           <a:p>
             <a:fld id="{31AA256B-FC77-4F48-8924-3ED8D94AD555}" type="datetimeFigureOut">
               <a:rPr lang="zh-CN" altLang="en-US" smtClean="0"/>
-              <a:t>2023/12/27</a:t>
+              <a:t>2024/1/9</a:t>
             </a:fld>
             <a:endParaRPr lang="zh-CN" altLang="en-US"/>
           </a:p>
@@ -1291,7 +1294,7 @@
     </p:spTree>
     <p:extLst>
       <p:ext uri="{BB962C8B-B14F-4D97-AF65-F5344CB8AC3E}">
-        <p14:creationId xmlns:p14="http://schemas.microsoft.com/office/powerpoint/2010/main" val="2263133669"/>
+        <p14:creationId xmlns:p14="http://schemas.microsoft.com/office/powerpoint/2010/main" val="12828449"/>
       </p:ext>
     </p:extLst>
   </p:cSld>
@@ -1330,8 +1333,8 @@
         </p:nvSpPr>
         <p:spPr>
           <a:xfrm>
-            <a:off x="629841" y="649114"/>
-            <a:ext cx="7886700" cy="2356556"/>
+            <a:off x="1492920" y="649112"/>
+            <a:ext cx="18693944" cy="2356556"/>
           </a:xfrm>
         </p:spPr>
         <p:txBody>
@@ -1358,8 +1361,8 @@
         </p:nvSpPr>
         <p:spPr>
           <a:xfrm>
-            <a:off x="629842" y="2988734"/>
-            <a:ext cx="3868340" cy="1464732"/>
+            <a:off x="1492921" y="2988734"/>
+            <a:ext cx="9169175" cy="1464732"/>
           </a:xfrm>
         </p:spPr>
         <p:txBody>
@@ -1367,39 +1370,39 @@
           <a:lstStyle>
             <a:lvl1pPr marL="0" indent="0">
               <a:buNone/>
-              <a:defRPr sz="2400" b="1"/>
+              <a:defRPr sz="4266" b="1"/>
             </a:lvl1pPr>
-            <a:lvl2pPr marL="457200" indent="0">
-              <a:buNone/>
-              <a:defRPr sz="2000" b="1"/>
+            <a:lvl2pPr marL="812764" indent="0">
+              <a:buNone/>
+              <a:defRPr sz="3555" b="1"/>
             </a:lvl2pPr>
-            <a:lvl3pPr marL="914400" indent="0">
-              <a:buNone/>
-              <a:defRPr sz="1800" b="1"/>
+            <a:lvl3pPr marL="1625529" indent="0">
+              <a:buNone/>
+              <a:defRPr sz="3200" b="1"/>
             </a:lvl3pPr>
-            <a:lvl4pPr marL="1371600" indent="0">
-              <a:buNone/>
-              <a:defRPr sz="1600" b="1"/>
+            <a:lvl4pPr marL="2438293" indent="0">
+              <a:buNone/>
+              <a:defRPr sz="2844" b="1"/>
             </a:lvl4pPr>
-            <a:lvl5pPr marL="1828800" indent="0">
-              <a:buNone/>
-              <a:defRPr sz="1600" b="1"/>
+            <a:lvl5pPr marL="3251058" indent="0">
+              <a:buNone/>
+              <a:defRPr sz="2844" b="1"/>
             </a:lvl5pPr>
-            <a:lvl6pPr marL="2286000" indent="0">
-              <a:buNone/>
-              <a:defRPr sz="1600" b="1"/>
+            <a:lvl6pPr marL="4063822" indent="0">
+              <a:buNone/>
+              <a:defRPr sz="2844" b="1"/>
             </a:lvl6pPr>
-            <a:lvl7pPr marL="2743200" indent="0">
-              <a:buNone/>
-              <a:defRPr sz="1600" b="1"/>
+            <a:lvl7pPr marL="4876587" indent="0">
+              <a:buNone/>
+              <a:defRPr sz="2844" b="1"/>
             </a:lvl7pPr>
-            <a:lvl8pPr marL="3200400" indent="0">
-              <a:buNone/>
-              <a:defRPr sz="1600" b="1"/>
+            <a:lvl8pPr marL="5689351" indent="0">
+              <a:buNone/>
+              <a:defRPr sz="2844" b="1"/>
             </a:lvl8pPr>
-            <a:lvl9pPr marL="3657600" indent="0">
-              <a:buNone/>
-              <a:defRPr sz="1600" b="1"/>
+            <a:lvl9pPr marL="6502116" indent="0">
+              <a:buNone/>
+              <a:defRPr sz="2844" b="1"/>
             </a:lvl9pPr>
           </a:lstStyle>
           <a:p>
@@ -1423,8 +1426,8 @@
         </p:nvSpPr>
         <p:spPr>
           <a:xfrm>
-            <a:off x="629842" y="4453467"/>
-            <a:ext cx="3868340" cy="6550379"/>
+            <a:off x="1492921" y="4453467"/>
+            <a:ext cx="9169175" cy="6550379"/>
           </a:xfrm>
         </p:spPr>
         <p:txBody>
@@ -1480,8 +1483,8 @@
         </p:nvSpPr>
         <p:spPr>
           <a:xfrm>
-            <a:off x="4629151" y="2988734"/>
-            <a:ext cx="3887391" cy="1464732"/>
+            <a:off x="10972532" y="2988734"/>
+            <a:ext cx="9214332" cy="1464732"/>
           </a:xfrm>
         </p:spPr>
         <p:txBody>
@@ -1489,39 +1492,39 @@
           <a:lstStyle>
             <a:lvl1pPr marL="0" indent="0">
               <a:buNone/>
-              <a:defRPr sz="2400" b="1"/>
+              <a:defRPr sz="4266" b="1"/>
             </a:lvl1pPr>
-            <a:lvl2pPr marL="457200" indent="0">
-              <a:buNone/>
-              <a:defRPr sz="2000" b="1"/>
+            <a:lvl2pPr marL="812764" indent="0">
+              <a:buNone/>
+              <a:defRPr sz="3555" b="1"/>
             </a:lvl2pPr>
-            <a:lvl3pPr marL="914400" indent="0">
-              <a:buNone/>
-              <a:defRPr sz="1800" b="1"/>
+            <a:lvl3pPr marL="1625529" indent="0">
+              <a:buNone/>
+              <a:defRPr sz="3200" b="1"/>
             </a:lvl3pPr>
-            <a:lvl4pPr marL="1371600" indent="0">
-              <a:buNone/>
-              <a:defRPr sz="1600" b="1"/>
+            <a:lvl4pPr marL="2438293" indent="0">
+              <a:buNone/>
+              <a:defRPr sz="2844" b="1"/>
             </a:lvl4pPr>
-            <a:lvl5pPr marL="1828800" indent="0">
-              <a:buNone/>
-              <a:defRPr sz="1600" b="1"/>
+            <a:lvl5pPr marL="3251058" indent="0">
+              <a:buNone/>
+              <a:defRPr sz="2844" b="1"/>
             </a:lvl5pPr>
-            <a:lvl6pPr marL="2286000" indent="0">
-              <a:buNone/>
-              <a:defRPr sz="1600" b="1"/>
+            <a:lvl6pPr marL="4063822" indent="0">
+              <a:buNone/>
+              <a:defRPr sz="2844" b="1"/>
             </a:lvl6pPr>
-            <a:lvl7pPr marL="2743200" indent="0">
-              <a:buNone/>
-              <a:defRPr sz="1600" b="1"/>
+            <a:lvl7pPr marL="4876587" indent="0">
+              <a:buNone/>
+              <a:defRPr sz="2844" b="1"/>
             </a:lvl7pPr>
-            <a:lvl8pPr marL="3200400" indent="0">
-              <a:buNone/>
-              <a:defRPr sz="1600" b="1"/>
+            <a:lvl8pPr marL="5689351" indent="0">
+              <a:buNone/>
+              <a:defRPr sz="2844" b="1"/>
             </a:lvl8pPr>
-            <a:lvl9pPr marL="3657600" indent="0">
-              <a:buNone/>
-              <a:defRPr sz="1600" b="1"/>
+            <a:lvl9pPr marL="6502116" indent="0">
+              <a:buNone/>
+              <a:defRPr sz="2844" b="1"/>
             </a:lvl9pPr>
           </a:lstStyle>
           <a:p>
@@ -1545,8 +1548,8 @@
         </p:nvSpPr>
         <p:spPr>
           <a:xfrm>
-            <a:off x="4629151" y="4453467"/>
-            <a:ext cx="3887391" cy="6550379"/>
+            <a:off x="10972532" y="4453467"/>
+            <a:ext cx="9214332" cy="6550379"/>
           </a:xfrm>
         </p:spPr>
         <p:txBody>
@@ -1607,7 +1610,7 @@
           <a:p>
             <a:fld id="{31AA256B-FC77-4F48-8924-3ED8D94AD555}" type="datetimeFigureOut">
               <a:rPr lang="zh-CN" altLang="en-US" smtClean="0"/>
-              <a:t>2023/12/27</a:t>
+              <a:t>2024/1/9</a:t>
             </a:fld>
             <a:endParaRPr lang="zh-CN" altLang="en-US"/>
           </a:p>
@@ -1658,7 +1661,7 @@
     </p:spTree>
     <p:extLst>
       <p:ext uri="{BB962C8B-B14F-4D97-AF65-F5344CB8AC3E}">
-        <p14:creationId xmlns:p14="http://schemas.microsoft.com/office/powerpoint/2010/main" val="2513121917"/>
+        <p14:creationId xmlns:p14="http://schemas.microsoft.com/office/powerpoint/2010/main" val="1400558812"/>
       </p:ext>
     </p:extLst>
   </p:cSld>
@@ -1725,7 +1728,7 @@
           <a:p>
             <a:fld id="{31AA256B-FC77-4F48-8924-3ED8D94AD555}" type="datetimeFigureOut">
               <a:rPr lang="zh-CN" altLang="en-US" smtClean="0"/>
-              <a:t>2023/12/27</a:t>
+              <a:t>2024/1/9</a:t>
             </a:fld>
             <a:endParaRPr lang="zh-CN" altLang="en-US"/>
           </a:p>
@@ -1776,7 +1779,7 @@
     </p:spTree>
     <p:extLst>
       <p:ext uri="{BB962C8B-B14F-4D97-AF65-F5344CB8AC3E}">
-        <p14:creationId xmlns:p14="http://schemas.microsoft.com/office/powerpoint/2010/main" val="3476841950"/>
+        <p14:creationId xmlns:p14="http://schemas.microsoft.com/office/powerpoint/2010/main" val="1722348980"/>
       </p:ext>
     </p:extLst>
   </p:cSld>
@@ -1820,7 +1823,7 @@
           <a:p>
             <a:fld id="{31AA256B-FC77-4F48-8924-3ED8D94AD555}" type="datetimeFigureOut">
               <a:rPr lang="zh-CN" altLang="en-US" smtClean="0"/>
-              <a:t>2023/12/27</a:t>
+              <a:t>2024/1/9</a:t>
             </a:fld>
             <a:endParaRPr lang="zh-CN" altLang="en-US"/>
           </a:p>
@@ -1871,7 +1874,7 @@
     </p:spTree>
     <p:extLst>
       <p:ext uri="{BB962C8B-B14F-4D97-AF65-F5344CB8AC3E}">
-        <p14:creationId xmlns:p14="http://schemas.microsoft.com/office/powerpoint/2010/main" val="382624834"/>
+        <p14:creationId xmlns:p14="http://schemas.microsoft.com/office/powerpoint/2010/main" val="391832224"/>
       </p:ext>
     </p:extLst>
   </p:cSld>
@@ -1910,15 +1913,15 @@
         </p:nvSpPr>
         <p:spPr>
           <a:xfrm>
-            <a:off x="629841" y="812800"/>
-            <a:ext cx="2949178" cy="2844800"/>
+            <a:off x="1492921" y="812800"/>
+            <a:ext cx="6990473" cy="2844800"/>
           </a:xfrm>
         </p:spPr>
         <p:txBody>
           <a:bodyPr anchor="b"/>
           <a:lstStyle>
             <a:lvl1pPr>
-              <a:defRPr sz="3200"/>
+              <a:defRPr sz="5689"/>
             </a:lvl1pPr>
           </a:lstStyle>
           <a:p>
@@ -1942,39 +1945,39 @@
         </p:nvSpPr>
         <p:spPr>
           <a:xfrm>
-            <a:off x="3887391" y="1755425"/>
-            <a:ext cx="4629150" cy="8664222"/>
+            <a:off x="9214332" y="1755423"/>
+            <a:ext cx="10972532" cy="8664222"/>
           </a:xfrm>
         </p:spPr>
         <p:txBody>
           <a:bodyPr/>
           <a:lstStyle>
             <a:lvl1pPr>
-              <a:defRPr sz="3200"/>
+              <a:defRPr sz="5689"/>
             </a:lvl1pPr>
             <a:lvl2pPr>
-              <a:defRPr sz="2800"/>
+              <a:defRPr sz="4978"/>
             </a:lvl2pPr>
             <a:lvl3pPr>
-              <a:defRPr sz="2400"/>
+              <a:defRPr sz="4266"/>
             </a:lvl3pPr>
             <a:lvl4pPr>
-              <a:defRPr sz="2000"/>
+              <a:defRPr sz="3555"/>
             </a:lvl4pPr>
             <a:lvl5pPr>
-              <a:defRPr sz="2000"/>
+              <a:defRPr sz="3555"/>
             </a:lvl5pPr>
             <a:lvl6pPr>
-              <a:defRPr sz="2000"/>
+              <a:defRPr sz="3555"/>
             </a:lvl6pPr>
             <a:lvl7pPr>
-              <a:defRPr sz="2000"/>
+              <a:defRPr sz="3555"/>
             </a:lvl7pPr>
             <a:lvl8pPr>
-              <a:defRPr sz="2000"/>
+              <a:defRPr sz="3555"/>
             </a:lvl8pPr>
             <a:lvl9pPr>
-              <a:defRPr sz="2000"/>
+              <a:defRPr sz="3555"/>
             </a:lvl9pPr>
           </a:lstStyle>
           <a:p>
@@ -2027,8 +2030,8 @@
         </p:nvSpPr>
         <p:spPr>
           <a:xfrm>
-            <a:off x="629841" y="3657600"/>
-            <a:ext cx="2949178" cy="6776156"/>
+            <a:off x="1492921" y="3657600"/>
+            <a:ext cx="6990473" cy="6776156"/>
           </a:xfrm>
         </p:spPr>
         <p:txBody>
@@ -2036,39 +2039,39 @@
           <a:lstStyle>
             <a:lvl1pPr marL="0" indent="0">
               <a:buNone/>
-              <a:defRPr sz="1600"/>
+              <a:defRPr sz="2844"/>
             </a:lvl1pPr>
-            <a:lvl2pPr marL="457200" indent="0">
-              <a:buNone/>
-              <a:defRPr sz="1400"/>
+            <a:lvl2pPr marL="812764" indent="0">
+              <a:buNone/>
+              <a:defRPr sz="2489"/>
             </a:lvl2pPr>
-            <a:lvl3pPr marL="914400" indent="0">
-              <a:buNone/>
-              <a:defRPr sz="1200"/>
+            <a:lvl3pPr marL="1625529" indent="0">
+              <a:buNone/>
+              <a:defRPr sz="2133"/>
             </a:lvl3pPr>
-            <a:lvl4pPr marL="1371600" indent="0">
-              <a:buNone/>
-              <a:defRPr sz="1000"/>
+            <a:lvl4pPr marL="2438293" indent="0">
+              <a:buNone/>
+              <a:defRPr sz="1778"/>
             </a:lvl4pPr>
-            <a:lvl5pPr marL="1828800" indent="0">
-              <a:buNone/>
-              <a:defRPr sz="1000"/>
+            <a:lvl5pPr marL="3251058" indent="0">
+              <a:buNone/>
+              <a:defRPr sz="1778"/>
             </a:lvl5pPr>
-            <a:lvl6pPr marL="2286000" indent="0">
-              <a:buNone/>
-              <a:defRPr sz="1000"/>
+            <a:lvl6pPr marL="4063822" indent="0">
+              <a:buNone/>
+              <a:defRPr sz="1778"/>
             </a:lvl6pPr>
-            <a:lvl7pPr marL="2743200" indent="0">
-              <a:buNone/>
-              <a:defRPr sz="1000"/>
+            <a:lvl7pPr marL="4876587" indent="0">
+              <a:buNone/>
+              <a:defRPr sz="1778"/>
             </a:lvl7pPr>
-            <a:lvl8pPr marL="3200400" indent="0">
-              <a:buNone/>
-              <a:defRPr sz="1000"/>
+            <a:lvl8pPr marL="5689351" indent="0">
+              <a:buNone/>
+              <a:defRPr sz="1778"/>
             </a:lvl8pPr>
-            <a:lvl9pPr marL="3657600" indent="0">
-              <a:buNone/>
-              <a:defRPr sz="1000"/>
+            <a:lvl9pPr marL="6502116" indent="0">
+              <a:buNone/>
+              <a:defRPr sz="1778"/>
             </a:lvl9pPr>
           </a:lstStyle>
           <a:p>
@@ -2097,7 +2100,7 @@
           <a:p>
             <a:fld id="{31AA256B-FC77-4F48-8924-3ED8D94AD555}" type="datetimeFigureOut">
               <a:rPr lang="zh-CN" altLang="en-US" smtClean="0"/>
-              <a:t>2023/12/27</a:t>
+              <a:t>2024/1/9</a:t>
             </a:fld>
             <a:endParaRPr lang="zh-CN" altLang="en-US"/>
           </a:p>
@@ -2148,7 +2151,7 @@
     </p:spTree>
     <p:extLst>
       <p:ext uri="{BB962C8B-B14F-4D97-AF65-F5344CB8AC3E}">
-        <p14:creationId xmlns:p14="http://schemas.microsoft.com/office/powerpoint/2010/main" val="1244794429"/>
+        <p14:creationId xmlns:p14="http://schemas.microsoft.com/office/powerpoint/2010/main" val="69760048"/>
       </p:ext>
     </p:extLst>
   </p:cSld>
@@ -2187,15 +2190,15 @@
         </p:nvSpPr>
         <p:spPr>
           <a:xfrm>
-            <a:off x="629841" y="812800"/>
-            <a:ext cx="2949178" cy="2844800"/>
+            <a:off x="1492921" y="812800"/>
+            <a:ext cx="6990473" cy="2844800"/>
           </a:xfrm>
         </p:spPr>
         <p:txBody>
           <a:bodyPr anchor="b"/>
           <a:lstStyle>
             <a:lvl1pPr>
-              <a:defRPr sz="3200"/>
+              <a:defRPr sz="5689"/>
             </a:lvl1pPr>
           </a:lstStyle>
           <a:p>
@@ -2219,8 +2222,8 @@
         </p:nvSpPr>
         <p:spPr>
           <a:xfrm>
-            <a:off x="3887391" y="1755425"/>
-            <a:ext cx="4629150" cy="8664222"/>
+            <a:off x="9214332" y="1755423"/>
+            <a:ext cx="10972532" cy="8664222"/>
           </a:xfrm>
         </p:spPr>
         <p:txBody>
@@ -2228,39 +2231,39 @@
           <a:lstStyle>
             <a:lvl1pPr marL="0" indent="0">
               <a:buNone/>
-              <a:defRPr sz="3200"/>
+              <a:defRPr sz="5689"/>
             </a:lvl1pPr>
-            <a:lvl2pPr marL="457200" indent="0">
-              <a:buNone/>
-              <a:defRPr sz="2800"/>
+            <a:lvl2pPr marL="812764" indent="0">
+              <a:buNone/>
+              <a:defRPr sz="4978"/>
             </a:lvl2pPr>
-            <a:lvl3pPr marL="914400" indent="0">
-              <a:buNone/>
-              <a:defRPr sz="2400"/>
+            <a:lvl3pPr marL="1625529" indent="0">
+              <a:buNone/>
+              <a:defRPr sz="4266"/>
             </a:lvl3pPr>
-            <a:lvl4pPr marL="1371600" indent="0">
-              <a:buNone/>
-              <a:defRPr sz="2000"/>
+            <a:lvl4pPr marL="2438293" indent="0">
+              <a:buNone/>
+              <a:defRPr sz="3555"/>
             </a:lvl4pPr>
-            <a:lvl5pPr marL="1828800" indent="0">
-              <a:buNone/>
-              <a:defRPr sz="2000"/>
+            <a:lvl5pPr marL="3251058" indent="0">
+              <a:buNone/>
+              <a:defRPr sz="3555"/>
             </a:lvl5pPr>
-            <a:lvl6pPr marL="2286000" indent="0">
-              <a:buNone/>
-              <a:defRPr sz="2000"/>
+            <a:lvl6pPr marL="4063822" indent="0">
+              <a:buNone/>
+              <a:defRPr sz="3555"/>
             </a:lvl6pPr>
-            <a:lvl7pPr marL="2743200" indent="0">
-              <a:buNone/>
-              <a:defRPr sz="2000"/>
+            <a:lvl7pPr marL="4876587" indent="0">
+              <a:buNone/>
+              <a:defRPr sz="3555"/>
             </a:lvl7pPr>
-            <a:lvl8pPr marL="3200400" indent="0">
-              <a:buNone/>
-              <a:defRPr sz="2000"/>
+            <a:lvl8pPr marL="5689351" indent="0">
+              <a:buNone/>
+              <a:defRPr sz="3555"/>
             </a:lvl8pPr>
-            <a:lvl9pPr marL="3657600" indent="0">
-              <a:buNone/>
-              <a:defRPr sz="2000"/>
+            <a:lvl9pPr marL="6502116" indent="0">
+              <a:buNone/>
+              <a:defRPr sz="3555"/>
             </a:lvl9pPr>
           </a:lstStyle>
           <a:p>
@@ -2284,8 +2287,8 @@
         </p:nvSpPr>
         <p:spPr>
           <a:xfrm>
-            <a:off x="629841" y="3657600"/>
-            <a:ext cx="2949178" cy="6776156"/>
+            <a:off x="1492921" y="3657600"/>
+            <a:ext cx="6990473" cy="6776156"/>
           </a:xfrm>
         </p:spPr>
         <p:txBody>
@@ -2293,39 +2296,39 @@
           <a:lstStyle>
             <a:lvl1pPr marL="0" indent="0">
               <a:buNone/>
-              <a:defRPr sz="1600"/>
+              <a:defRPr sz="2844"/>
             </a:lvl1pPr>
-            <a:lvl2pPr marL="457200" indent="0">
-              <a:buNone/>
-              <a:defRPr sz="1400"/>
+            <a:lvl2pPr marL="812764" indent="0">
+              <a:buNone/>
+              <a:defRPr sz="2489"/>
             </a:lvl2pPr>
-            <a:lvl3pPr marL="914400" indent="0">
-              <a:buNone/>
-              <a:defRPr sz="1200"/>
+            <a:lvl3pPr marL="1625529" indent="0">
+              <a:buNone/>
+              <a:defRPr sz="2133"/>
             </a:lvl3pPr>
-            <a:lvl4pPr marL="1371600" indent="0">
-              <a:buNone/>
-              <a:defRPr sz="1000"/>
+            <a:lvl4pPr marL="2438293" indent="0">
+              <a:buNone/>
+              <a:defRPr sz="1778"/>
             </a:lvl4pPr>
-            <a:lvl5pPr marL="1828800" indent="0">
-              <a:buNone/>
-              <a:defRPr sz="1000"/>
+            <a:lvl5pPr marL="3251058" indent="0">
+              <a:buNone/>
+              <a:defRPr sz="1778"/>
             </a:lvl5pPr>
-            <a:lvl6pPr marL="2286000" indent="0">
-              <a:buNone/>
-              <a:defRPr sz="1000"/>
+            <a:lvl6pPr marL="4063822" indent="0">
+              <a:buNone/>
+              <a:defRPr sz="1778"/>
             </a:lvl6pPr>
-            <a:lvl7pPr marL="2743200" indent="0">
-              <a:buNone/>
-              <a:defRPr sz="1000"/>
+            <a:lvl7pPr marL="4876587" indent="0">
+              <a:buNone/>
+              <a:defRPr sz="1778"/>
             </a:lvl7pPr>
-            <a:lvl8pPr marL="3200400" indent="0">
-              <a:buNone/>
-              <a:defRPr sz="1000"/>
+            <a:lvl8pPr marL="5689351" indent="0">
+              <a:buNone/>
+              <a:defRPr sz="1778"/>
             </a:lvl8pPr>
-            <a:lvl9pPr marL="3657600" indent="0">
-              <a:buNone/>
-              <a:defRPr sz="1000"/>
+            <a:lvl9pPr marL="6502116" indent="0">
+              <a:buNone/>
+              <a:defRPr sz="1778"/>
             </a:lvl9pPr>
           </a:lstStyle>
           <a:p>
@@ -2354,7 +2357,7 @@
           <a:p>
             <a:fld id="{31AA256B-FC77-4F48-8924-3ED8D94AD555}" type="datetimeFigureOut">
               <a:rPr lang="zh-CN" altLang="en-US" smtClean="0"/>
-              <a:t>2023/12/27</a:t>
+              <a:t>2024/1/9</a:t>
             </a:fld>
             <a:endParaRPr lang="zh-CN" altLang="en-US"/>
           </a:p>
@@ -2405,7 +2408,7 @@
     </p:spTree>
     <p:extLst>
       <p:ext uri="{BB962C8B-B14F-4D97-AF65-F5344CB8AC3E}">
-        <p14:creationId xmlns:p14="http://schemas.microsoft.com/office/powerpoint/2010/main" val="364954844"/>
+        <p14:creationId xmlns:p14="http://schemas.microsoft.com/office/powerpoint/2010/main" val="3576969111"/>
       </p:ext>
     </p:extLst>
   </p:cSld>
@@ -2449,8 +2452,8 @@
         </p:nvSpPr>
         <p:spPr>
           <a:xfrm>
-            <a:off x="628650" y="649114"/>
-            <a:ext cx="7886700" cy="2356556"/>
+            <a:off x="1490097" y="649112"/>
+            <a:ext cx="18693944" cy="2356556"/>
           </a:xfrm>
           <a:prstGeom prst="rect">
             <a:avLst/>
@@ -2482,8 +2485,8 @@
         </p:nvSpPr>
         <p:spPr>
           <a:xfrm>
-            <a:off x="628650" y="3245556"/>
-            <a:ext cx="7886700" cy="7735712"/>
+            <a:off x="1490097" y="3245556"/>
+            <a:ext cx="18693944" cy="7735712"/>
           </a:xfrm>
           <a:prstGeom prst="rect">
             <a:avLst/>
@@ -2544,8 +2547,8 @@
         </p:nvSpPr>
         <p:spPr>
           <a:xfrm>
-            <a:off x="628650" y="11300181"/>
-            <a:ext cx="2057400" cy="649111"/>
+            <a:off x="1490097" y="11300179"/>
+            <a:ext cx="4876681" cy="649111"/>
           </a:xfrm>
           <a:prstGeom prst="rect">
             <a:avLst/>
@@ -2555,7 +2558,7 @@
           <a:bodyPr vert="horz" lIns="91440" tIns="45720" rIns="91440" bIns="45720" rtlCol="0" anchor="ctr"/>
           <a:lstStyle>
             <a:lvl1pPr algn="l">
-              <a:defRPr sz="1200">
+              <a:defRPr sz="2133">
                 <a:solidFill>
                   <a:schemeClr val="tx1">
                     <a:tint val="75000"/>
@@ -2567,7 +2570,7 @@
           <a:p>
             <a:fld id="{31AA256B-FC77-4F48-8924-3ED8D94AD555}" type="datetimeFigureOut">
               <a:rPr lang="zh-CN" altLang="en-US" smtClean="0"/>
-              <a:t>2023/12/27</a:t>
+              <a:t>2024/1/9</a:t>
             </a:fld>
             <a:endParaRPr lang="zh-CN" altLang="en-US"/>
           </a:p>
@@ -2585,8 +2588,8 @@
         </p:nvSpPr>
         <p:spPr>
           <a:xfrm>
-            <a:off x="3028950" y="11300181"/>
-            <a:ext cx="3086100" cy="649111"/>
+            <a:off x="7179558" y="11300179"/>
+            <a:ext cx="7315022" cy="649111"/>
           </a:xfrm>
           <a:prstGeom prst="rect">
             <a:avLst/>
@@ -2596,7 +2599,7 @@
           <a:bodyPr vert="horz" lIns="91440" tIns="45720" rIns="91440" bIns="45720" rtlCol="0" anchor="ctr"/>
           <a:lstStyle>
             <a:lvl1pPr algn="ctr">
-              <a:defRPr sz="1200">
+              <a:defRPr sz="2133">
                 <a:solidFill>
                   <a:schemeClr val="tx1">
                     <a:tint val="75000"/>
@@ -2622,8 +2625,8 @@
         </p:nvSpPr>
         <p:spPr>
           <a:xfrm>
-            <a:off x="6457950" y="11300181"/>
-            <a:ext cx="2057400" cy="649111"/>
+            <a:off x="15307360" y="11300179"/>
+            <a:ext cx="4876681" cy="649111"/>
           </a:xfrm>
           <a:prstGeom prst="rect">
             <a:avLst/>
@@ -2633,7 +2636,7 @@
           <a:bodyPr vert="horz" lIns="91440" tIns="45720" rIns="91440" bIns="45720" rtlCol="0" anchor="ctr"/>
           <a:lstStyle>
             <a:lvl1pPr algn="r">
-              <a:defRPr sz="1200">
+              <a:defRPr sz="2133">
                 <a:solidFill>
                   <a:schemeClr val="tx1">
                     <a:tint val="75000"/>
@@ -2654,27 +2657,27 @@
     </p:spTree>
     <p:extLst>
       <p:ext uri="{BB962C8B-B14F-4D97-AF65-F5344CB8AC3E}">
-        <p14:creationId xmlns:p14="http://schemas.microsoft.com/office/powerpoint/2010/main" val="766648723"/>
+        <p14:creationId xmlns:p14="http://schemas.microsoft.com/office/powerpoint/2010/main" val="2860726915"/>
       </p:ext>
     </p:extLst>
   </p:cSld>
   <p:clrMap bg1="lt1" tx1="dk1" bg2="lt2" tx2="dk2" accent1="accent1" accent2="accent2" accent3="accent3" accent4="accent4" accent5="accent5" accent6="accent6" hlink="hlink" folHlink="folHlink"/>
   <p:sldLayoutIdLst>
-    <p:sldLayoutId id="2147483697" r:id="rId1"/>
-    <p:sldLayoutId id="2147483698" r:id="rId2"/>
-    <p:sldLayoutId id="2147483699" r:id="rId3"/>
-    <p:sldLayoutId id="2147483700" r:id="rId4"/>
-    <p:sldLayoutId id="2147483701" r:id="rId5"/>
-    <p:sldLayoutId id="2147483702" r:id="rId6"/>
-    <p:sldLayoutId id="2147483703" r:id="rId7"/>
-    <p:sldLayoutId id="2147483704" r:id="rId8"/>
-    <p:sldLayoutId id="2147483705" r:id="rId9"/>
-    <p:sldLayoutId id="2147483706" r:id="rId10"/>
-    <p:sldLayoutId id="2147483707" r:id="rId11"/>
+    <p:sldLayoutId id="2147483709" r:id="rId1"/>
+    <p:sldLayoutId id="2147483710" r:id="rId2"/>
+    <p:sldLayoutId id="2147483711" r:id="rId3"/>
+    <p:sldLayoutId id="2147483712" r:id="rId4"/>
+    <p:sldLayoutId id="2147483713" r:id="rId5"/>
+    <p:sldLayoutId id="2147483714" r:id="rId6"/>
+    <p:sldLayoutId id="2147483715" r:id="rId7"/>
+    <p:sldLayoutId id="2147483716" r:id="rId8"/>
+    <p:sldLayoutId id="2147483717" r:id="rId9"/>
+    <p:sldLayoutId id="2147483718" r:id="rId10"/>
+    <p:sldLayoutId id="2147483719" r:id="rId11"/>
   </p:sldLayoutIdLst>
   <p:txStyles>
     <p:titleStyle>
-      <a:lvl1pPr algn="l" defTabSz="914400" rtl="0" eaLnBrk="1" latinLnBrk="0" hangingPunct="1">
+      <a:lvl1pPr algn="l" defTabSz="1625529" rtl="0" eaLnBrk="1" latinLnBrk="0" hangingPunct="1">
         <a:lnSpc>
           <a:spcPct val="90000"/>
         </a:lnSpc>
@@ -2682,7 +2685,7 @@
           <a:spcPct val="0"/>
         </a:spcBef>
         <a:buNone/>
-        <a:defRPr sz="4400" kern="1200">
+        <a:defRPr sz="7822" kern="1200">
           <a:solidFill>
             <a:schemeClr val="tx1"/>
           </a:solidFill>
@@ -2693,16 +2696,16 @@
       </a:lvl1pPr>
     </p:titleStyle>
     <p:bodyStyle>
-      <a:lvl1pPr marL="228600" indent="-228600" algn="l" defTabSz="914400" rtl="0" eaLnBrk="1" latinLnBrk="0" hangingPunct="1">
+      <a:lvl1pPr marL="406382" indent="-406382" algn="l" defTabSz="1625529" rtl="0" eaLnBrk="1" latinLnBrk="0" hangingPunct="1">
         <a:lnSpc>
           <a:spcPct val="90000"/>
         </a:lnSpc>
         <a:spcBef>
-          <a:spcPts val="1000"/>
+          <a:spcPts val="1778"/>
         </a:spcBef>
         <a:buFont typeface="Arial" panose="020B0604020202020204" pitchFamily="34" charset="0"/>
         <a:buChar char="•"/>
-        <a:defRPr sz="2800" kern="1200">
+        <a:defRPr sz="4978" kern="1200">
           <a:solidFill>
             <a:schemeClr val="tx1"/>
           </a:solidFill>
@@ -2711,16 +2714,16 @@
           <a:cs typeface="+mn-cs"/>
         </a:defRPr>
       </a:lvl1pPr>
-      <a:lvl2pPr marL="685800" indent="-228600" algn="l" defTabSz="914400" rtl="0" eaLnBrk="1" latinLnBrk="0" hangingPunct="1">
+      <a:lvl2pPr marL="1219147" indent="-406382" algn="l" defTabSz="1625529" rtl="0" eaLnBrk="1" latinLnBrk="0" hangingPunct="1">
         <a:lnSpc>
           <a:spcPct val="90000"/>
         </a:lnSpc>
         <a:spcBef>
-          <a:spcPts val="500"/>
+          <a:spcPts val="889"/>
         </a:spcBef>
         <a:buFont typeface="Arial" panose="020B0604020202020204" pitchFamily="34" charset="0"/>
         <a:buChar char="•"/>
-        <a:defRPr sz="2400" kern="1200">
+        <a:defRPr sz="4266" kern="1200">
           <a:solidFill>
             <a:schemeClr val="tx1"/>
           </a:solidFill>
@@ -2729,16 +2732,16 @@
           <a:cs typeface="+mn-cs"/>
         </a:defRPr>
       </a:lvl2pPr>
-      <a:lvl3pPr marL="1143000" indent="-228600" algn="l" defTabSz="914400" rtl="0" eaLnBrk="1" latinLnBrk="0" hangingPunct="1">
+      <a:lvl3pPr marL="2031911" indent="-406382" algn="l" defTabSz="1625529" rtl="0" eaLnBrk="1" latinLnBrk="0" hangingPunct="1">
         <a:lnSpc>
           <a:spcPct val="90000"/>
         </a:lnSpc>
         <a:spcBef>
-          <a:spcPts val="500"/>
+          <a:spcPts val="889"/>
         </a:spcBef>
         <a:buFont typeface="Arial" panose="020B0604020202020204" pitchFamily="34" charset="0"/>
         <a:buChar char="•"/>
-        <a:defRPr sz="2000" kern="1200">
+        <a:defRPr sz="3555" kern="1200">
           <a:solidFill>
             <a:schemeClr val="tx1"/>
           </a:solidFill>
@@ -2747,16 +2750,16 @@
           <a:cs typeface="+mn-cs"/>
         </a:defRPr>
       </a:lvl3pPr>
-      <a:lvl4pPr marL="1600200" indent="-228600" algn="l" defTabSz="914400" rtl="0" eaLnBrk="1" latinLnBrk="0" hangingPunct="1">
+      <a:lvl4pPr marL="2844676" indent="-406382" algn="l" defTabSz="1625529" rtl="0" eaLnBrk="1" latinLnBrk="0" hangingPunct="1">
         <a:lnSpc>
           <a:spcPct val="90000"/>
         </a:lnSpc>
         <a:spcBef>
-          <a:spcPts val="500"/>
+          <a:spcPts val="889"/>
         </a:spcBef>
         <a:buFont typeface="Arial" panose="020B0604020202020204" pitchFamily="34" charset="0"/>
         <a:buChar char="•"/>
-        <a:defRPr sz="1800" kern="1200">
+        <a:defRPr sz="3200" kern="1200">
           <a:solidFill>
             <a:schemeClr val="tx1"/>
           </a:solidFill>
@@ -2765,16 +2768,16 @@
           <a:cs typeface="+mn-cs"/>
         </a:defRPr>
       </a:lvl4pPr>
-      <a:lvl5pPr marL="2057400" indent="-228600" algn="l" defTabSz="914400" rtl="0" eaLnBrk="1" latinLnBrk="0" hangingPunct="1">
+      <a:lvl5pPr marL="3657440" indent="-406382" algn="l" defTabSz="1625529" rtl="0" eaLnBrk="1" latinLnBrk="0" hangingPunct="1">
         <a:lnSpc>
           <a:spcPct val="90000"/>
         </a:lnSpc>
         <a:spcBef>
-          <a:spcPts val="500"/>
+          <a:spcPts val="889"/>
         </a:spcBef>
         <a:buFont typeface="Arial" panose="020B0604020202020204" pitchFamily="34" charset="0"/>
         <a:buChar char="•"/>
-        <a:defRPr sz="1800" kern="1200">
+        <a:defRPr sz="3200" kern="1200">
           <a:solidFill>
             <a:schemeClr val="tx1"/>
           </a:solidFill>
@@ -2783,16 +2786,16 @@
           <a:cs typeface="+mn-cs"/>
         </a:defRPr>
       </a:lvl5pPr>
-      <a:lvl6pPr marL="2514600" indent="-228600" algn="l" defTabSz="914400" rtl="0" eaLnBrk="1" latinLnBrk="0" hangingPunct="1">
+      <a:lvl6pPr marL="4470204" indent="-406382" algn="l" defTabSz="1625529" rtl="0" eaLnBrk="1" latinLnBrk="0" hangingPunct="1">
         <a:lnSpc>
           <a:spcPct val="90000"/>
         </a:lnSpc>
         <a:spcBef>
-          <a:spcPts val="500"/>
+          <a:spcPts val="889"/>
         </a:spcBef>
         <a:buFont typeface="Arial" panose="020B0604020202020204" pitchFamily="34" charset="0"/>
         <a:buChar char="•"/>
-        <a:defRPr sz="1800" kern="1200">
+        <a:defRPr sz="3200" kern="1200">
           <a:solidFill>
             <a:schemeClr val="tx1"/>
           </a:solidFill>
@@ -2801,16 +2804,16 @@
           <a:cs typeface="+mn-cs"/>
         </a:defRPr>
       </a:lvl6pPr>
-      <a:lvl7pPr marL="2971800" indent="-228600" algn="l" defTabSz="914400" rtl="0" eaLnBrk="1" latinLnBrk="0" hangingPunct="1">
+      <a:lvl7pPr marL="5282969" indent="-406382" algn="l" defTabSz="1625529" rtl="0" eaLnBrk="1" latinLnBrk="0" hangingPunct="1">
         <a:lnSpc>
           <a:spcPct val="90000"/>
         </a:lnSpc>
         <a:spcBef>
-          <a:spcPts val="500"/>
+          <a:spcPts val="889"/>
         </a:spcBef>
         <a:buFont typeface="Arial" panose="020B0604020202020204" pitchFamily="34" charset="0"/>
         <a:buChar char="•"/>
-        <a:defRPr sz="1800" kern="1200">
+        <a:defRPr sz="3200" kern="1200">
           <a:solidFill>
             <a:schemeClr val="tx1"/>
           </a:solidFill>
@@ -2819,16 +2822,16 @@
           <a:cs typeface="+mn-cs"/>
         </a:defRPr>
       </a:lvl7pPr>
-      <a:lvl8pPr marL="3429000" indent="-228600" algn="l" defTabSz="914400" rtl="0" eaLnBrk="1" latinLnBrk="0" hangingPunct="1">
+      <a:lvl8pPr marL="6095733" indent="-406382" algn="l" defTabSz="1625529" rtl="0" eaLnBrk="1" latinLnBrk="0" hangingPunct="1">
         <a:lnSpc>
           <a:spcPct val="90000"/>
         </a:lnSpc>
         <a:spcBef>
-          <a:spcPts val="500"/>
+          <a:spcPts val="889"/>
         </a:spcBef>
         <a:buFont typeface="Arial" panose="020B0604020202020204" pitchFamily="34" charset="0"/>
         <a:buChar char="•"/>
-        <a:defRPr sz="1800" kern="1200">
+        <a:defRPr sz="3200" kern="1200">
           <a:solidFill>
             <a:schemeClr val="tx1"/>
           </a:solidFill>
@@ -2837,16 +2840,16 @@
           <a:cs typeface="+mn-cs"/>
         </a:defRPr>
       </a:lvl8pPr>
-      <a:lvl9pPr marL="3886200" indent="-228600" algn="l" defTabSz="914400" rtl="0" eaLnBrk="1" latinLnBrk="0" hangingPunct="1">
+      <a:lvl9pPr marL="6908498" indent="-406382" algn="l" defTabSz="1625529" rtl="0" eaLnBrk="1" latinLnBrk="0" hangingPunct="1">
         <a:lnSpc>
           <a:spcPct val="90000"/>
         </a:lnSpc>
         <a:spcBef>
-          <a:spcPts val="500"/>
+          <a:spcPts val="889"/>
         </a:spcBef>
         <a:buFont typeface="Arial" panose="020B0604020202020204" pitchFamily="34" charset="0"/>
         <a:buChar char="•"/>
-        <a:defRPr sz="1800" kern="1200">
+        <a:defRPr sz="3200" kern="1200">
           <a:solidFill>
             <a:schemeClr val="tx1"/>
           </a:solidFill>
@@ -2860,8 +2863,8 @@
       <a:defPPr>
         <a:defRPr lang="en-US"/>
       </a:defPPr>
-      <a:lvl1pPr marL="0" algn="l" defTabSz="914400" rtl="0" eaLnBrk="1" latinLnBrk="0" hangingPunct="1">
-        <a:defRPr sz="1800" kern="1200">
+      <a:lvl1pPr marL="0" algn="l" defTabSz="1625529" rtl="0" eaLnBrk="1" latinLnBrk="0" hangingPunct="1">
+        <a:defRPr sz="3200" kern="1200">
           <a:solidFill>
             <a:schemeClr val="tx1"/>
           </a:solidFill>
@@ -2870,8 +2873,8 @@
           <a:cs typeface="+mn-cs"/>
         </a:defRPr>
       </a:lvl1pPr>
-      <a:lvl2pPr marL="457200" algn="l" defTabSz="914400" rtl="0" eaLnBrk="1" latinLnBrk="0" hangingPunct="1">
-        <a:defRPr sz="1800" kern="1200">
+      <a:lvl2pPr marL="812764" algn="l" defTabSz="1625529" rtl="0" eaLnBrk="1" latinLnBrk="0" hangingPunct="1">
+        <a:defRPr sz="3200" kern="1200">
           <a:solidFill>
             <a:schemeClr val="tx1"/>
           </a:solidFill>
@@ -2880,8 +2883,8 @@
           <a:cs typeface="+mn-cs"/>
         </a:defRPr>
       </a:lvl2pPr>
-      <a:lvl3pPr marL="914400" algn="l" defTabSz="914400" rtl="0" eaLnBrk="1" latinLnBrk="0" hangingPunct="1">
-        <a:defRPr sz="1800" kern="1200">
+      <a:lvl3pPr marL="1625529" algn="l" defTabSz="1625529" rtl="0" eaLnBrk="1" latinLnBrk="0" hangingPunct="1">
+        <a:defRPr sz="3200" kern="1200">
           <a:solidFill>
             <a:schemeClr val="tx1"/>
           </a:solidFill>
@@ -2890,8 +2893,8 @@
           <a:cs typeface="+mn-cs"/>
         </a:defRPr>
       </a:lvl3pPr>
-      <a:lvl4pPr marL="1371600" algn="l" defTabSz="914400" rtl="0" eaLnBrk="1" latinLnBrk="0" hangingPunct="1">
-        <a:defRPr sz="1800" kern="1200">
+      <a:lvl4pPr marL="2438293" algn="l" defTabSz="1625529" rtl="0" eaLnBrk="1" latinLnBrk="0" hangingPunct="1">
+        <a:defRPr sz="3200" kern="1200">
           <a:solidFill>
             <a:schemeClr val="tx1"/>
           </a:solidFill>
@@ -2900,8 +2903,8 @@
           <a:cs typeface="+mn-cs"/>
         </a:defRPr>
       </a:lvl4pPr>
-      <a:lvl5pPr marL="1828800" algn="l" defTabSz="914400" rtl="0" eaLnBrk="1" latinLnBrk="0" hangingPunct="1">
-        <a:defRPr sz="1800" kern="1200">
+      <a:lvl5pPr marL="3251058" algn="l" defTabSz="1625529" rtl="0" eaLnBrk="1" latinLnBrk="0" hangingPunct="1">
+        <a:defRPr sz="3200" kern="1200">
           <a:solidFill>
             <a:schemeClr val="tx1"/>
           </a:solidFill>
@@ -2910,8 +2913,8 @@
           <a:cs typeface="+mn-cs"/>
         </a:defRPr>
       </a:lvl5pPr>
-      <a:lvl6pPr marL="2286000" algn="l" defTabSz="914400" rtl="0" eaLnBrk="1" latinLnBrk="0" hangingPunct="1">
-        <a:defRPr sz="1800" kern="1200">
+      <a:lvl6pPr marL="4063822" algn="l" defTabSz="1625529" rtl="0" eaLnBrk="1" latinLnBrk="0" hangingPunct="1">
+        <a:defRPr sz="3200" kern="1200">
           <a:solidFill>
             <a:schemeClr val="tx1"/>
           </a:solidFill>
@@ -2920,8 +2923,8 @@
           <a:cs typeface="+mn-cs"/>
         </a:defRPr>
       </a:lvl6pPr>
-      <a:lvl7pPr marL="2743200" algn="l" defTabSz="914400" rtl="0" eaLnBrk="1" latinLnBrk="0" hangingPunct="1">
-        <a:defRPr sz="1800" kern="1200">
+      <a:lvl7pPr marL="4876587" algn="l" defTabSz="1625529" rtl="0" eaLnBrk="1" latinLnBrk="0" hangingPunct="1">
+        <a:defRPr sz="3200" kern="1200">
           <a:solidFill>
             <a:schemeClr val="tx1"/>
           </a:solidFill>
@@ -2930,8 +2933,8 @@
           <a:cs typeface="+mn-cs"/>
         </a:defRPr>
       </a:lvl7pPr>
-      <a:lvl8pPr marL="3200400" algn="l" defTabSz="914400" rtl="0" eaLnBrk="1" latinLnBrk="0" hangingPunct="1">
-        <a:defRPr sz="1800" kern="1200">
+      <a:lvl8pPr marL="5689351" algn="l" defTabSz="1625529" rtl="0" eaLnBrk="1" latinLnBrk="0" hangingPunct="1">
+        <a:defRPr sz="3200" kern="1200">
           <a:solidFill>
             <a:schemeClr val="tx1"/>
           </a:solidFill>
@@ -2940,8 +2943,8 @@
           <a:cs typeface="+mn-cs"/>
         </a:defRPr>
       </a:lvl8pPr>
-      <a:lvl9pPr marL="3657600" algn="l" defTabSz="914400" rtl="0" eaLnBrk="1" latinLnBrk="0" hangingPunct="1">
-        <a:defRPr sz="1800" kern="1200">
+      <a:lvl9pPr marL="6502116" algn="l" defTabSz="1625529" rtl="0" eaLnBrk="1" latinLnBrk="0" hangingPunct="1">
+        <a:defRPr sz="3200" kern="1200">
           <a:solidFill>
             <a:schemeClr val="tx1"/>
           </a:solidFill>
@@ -3000,8 +3003,8 @@
         </p:blipFill>
         <p:spPr>
           <a:xfrm>
-            <a:off x="-1" y="0"/>
-            <a:ext cx="9136383" cy="10322169"/>
+            <a:off x="-1" y="-8353424"/>
+            <a:ext cx="21656083" cy="24466766"/>
           </a:xfrm>
           <a:prstGeom prst="rect">
             <a:avLst/>
@@ -3022,8 +3025,8 @@
         </p:nvSpPr>
         <p:spPr>
           <a:xfrm>
-            <a:off x="-2" y="10322169"/>
-            <a:ext cx="9136383" cy="1869832"/>
+            <a:off x="-3" y="16113341"/>
+            <a:ext cx="21656083" cy="4432086"/>
           </a:xfrm>
           <a:prstGeom prst="rect">
             <a:avLst/>
@@ -3053,7 +3056,7 @@
           <a:lstStyle/>
           <a:p>
             <a:pPr algn="ctr"/>
-            <a:endParaRPr lang="zh-CN" altLang="en-US"/>
+            <a:endParaRPr lang="zh-CN" altLang="en-US" sz="4267"/>
           </a:p>
         </p:txBody>
       </p:sp>
@@ -3115,8 +3118,8 @@
         </p:blipFill>
         <p:spPr>
           <a:xfrm>
-            <a:off x="-1" y="0"/>
-            <a:ext cx="9136383" cy="10322169"/>
+            <a:off x="-1" y="-8353424"/>
+            <a:ext cx="21656083" cy="24466766"/>
           </a:xfrm>
           <a:prstGeom prst="rect">
             <a:avLst/>
@@ -3137,8 +3140,8 @@
         </p:nvSpPr>
         <p:spPr>
           <a:xfrm>
-            <a:off x="-2" y="10322169"/>
-            <a:ext cx="9136383" cy="1869832"/>
+            <a:off x="-3" y="16113341"/>
+            <a:ext cx="21656083" cy="4432086"/>
           </a:xfrm>
           <a:prstGeom prst="rect">
             <a:avLst/>
@@ -3168,7 +3171,7 @@
           <a:lstStyle/>
           <a:p>
             <a:pPr algn="ctr"/>
-            <a:endParaRPr lang="zh-CN" altLang="en-US"/>
+            <a:endParaRPr lang="zh-CN" altLang="en-US" sz="4267"/>
           </a:p>
         </p:txBody>
       </p:sp>
@@ -3186,8 +3189,8 @@
         </p:nvSpPr>
         <p:spPr>
           <a:xfrm>
-            <a:off x="-3" y="8880231"/>
-            <a:ext cx="9136383" cy="1441938"/>
+            <a:off x="-6" y="12695497"/>
+            <a:ext cx="21656083" cy="3417844"/>
           </a:xfrm>
           <a:prstGeom prst="rect">
             <a:avLst/>
@@ -3220,7 +3223,7 @@
           <a:lstStyle/>
           <a:p>
             <a:pPr algn="ctr"/>
-            <a:endParaRPr lang="zh-CN" altLang="en-US"/>
+            <a:endParaRPr lang="zh-CN" altLang="en-US" sz="4267"/>
           </a:p>
         </p:txBody>
       </p:sp>
@@ -3238,8 +3241,8 @@
         </p:nvSpPr>
         <p:spPr>
           <a:xfrm>
-            <a:off x="6471138" y="6096000"/>
-            <a:ext cx="2665242" cy="2784231"/>
+            <a:off x="15338620" y="6096001"/>
+            <a:ext cx="6317456" cy="6599498"/>
           </a:xfrm>
           <a:prstGeom prst="rect">
             <a:avLst/>
@@ -3272,7 +3275,7 @@
           <a:lstStyle/>
           <a:p>
             <a:pPr algn="ctr"/>
-            <a:endParaRPr lang="zh-CN" altLang="en-US"/>
+            <a:endParaRPr lang="zh-CN" altLang="en-US" sz="4267"/>
           </a:p>
         </p:txBody>
       </p:sp>
@@ -3290,8 +3293,8 @@
         </p:nvSpPr>
         <p:spPr>
           <a:xfrm>
-            <a:off x="7621" y="6096000"/>
-            <a:ext cx="2524564" cy="2784231"/>
+            <a:off x="18064" y="6096001"/>
+            <a:ext cx="5984006" cy="6599498"/>
           </a:xfrm>
           <a:prstGeom prst="rect">
             <a:avLst/>
@@ -3324,7 +3327,7 @@
           <a:lstStyle/>
           <a:p>
             <a:pPr algn="ctr"/>
-            <a:endParaRPr lang="zh-CN" altLang="en-US"/>
+            <a:endParaRPr lang="zh-CN" altLang="en-US" sz="4267"/>
           </a:p>
         </p:txBody>
       </p:sp>
@@ -3342,8 +3345,8 @@
         </p:nvSpPr>
         <p:spPr>
           <a:xfrm>
-            <a:off x="2384172" y="5957625"/>
-            <a:ext cx="4532731" cy="2367342"/>
+            <a:off x="5651234" y="5768008"/>
+            <a:ext cx="10743989" cy="5611340"/>
           </a:xfrm>
           <a:custGeom>
             <a:avLst/>
@@ -3547,7 +3550,7 @@
           <a:lstStyle/>
           <a:p>
             <a:pPr algn="ctr"/>
-            <a:endParaRPr lang="zh-CN" altLang="en-US"/>
+            <a:endParaRPr lang="zh-CN" altLang="en-US" sz="4267"/>
           </a:p>
         </p:txBody>
       </p:sp>
@@ -3565,8 +3568,8 @@
         </p:nvSpPr>
         <p:spPr>
           <a:xfrm>
-            <a:off x="160020" y="8048445"/>
-            <a:ext cx="8656175" cy="984186"/>
+            <a:off x="379299" y="10723905"/>
+            <a:ext cx="20517840" cy="2332828"/>
           </a:xfrm>
           <a:prstGeom prst="rect">
             <a:avLst/>
@@ -3599,7 +3602,7 @@
           <a:lstStyle/>
           <a:p>
             <a:pPr algn="ctr"/>
-            <a:endParaRPr lang="zh-CN" altLang="en-US"/>
+            <a:endParaRPr lang="zh-CN" altLang="en-US" sz="4267"/>
           </a:p>
         </p:txBody>
       </p:sp>
@@ -3607,6 +3610,108 @@
     <p:extLst>
       <p:ext uri="{BB962C8B-B14F-4D97-AF65-F5344CB8AC3E}">
         <p14:creationId xmlns:p14="http://schemas.microsoft.com/office/powerpoint/2010/main" val="644241607"/>
+      </p:ext>
+    </p:extLst>
+  </p:cSld>
+  <p:clrMapOvr>
+    <a:masterClrMapping/>
+  </p:clrMapOvr>
+</p:sld>
+</file>
+
+<file path=ppt/slides/slide3.xml><?xml version="1.0" encoding="utf-8"?>
+<p:sld xmlns:a="http://schemas.openxmlformats.org/drawingml/2006/main" xmlns:r="http://schemas.openxmlformats.org/officeDocument/2006/relationships" xmlns:p="http://schemas.openxmlformats.org/presentationml/2006/main">
+  <p:cSld>
+    <p:spTree>
+      <p:nvGrpSpPr>
+        <p:cNvPr id="1" name=""/>
+        <p:cNvGrpSpPr/>
+        <p:nvPr/>
+      </p:nvGrpSpPr>
+      <p:grpSpPr>
+        <a:xfrm>
+          <a:off x="0" y="0"/>
+          <a:ext cx="0" cy="0"/>
+          <a:chOff x="0" y="0"/>
+          <a:chExt cx="0" cy="0"/>
+        </a:xfrm>
+      </p:grpSpPr>
+      <p:pic>
+        <p:nvPicPr>
+          <p:cNvPr id="5" name="图片 4">
+            <a:extLst>
+              <a:ext uri="{FF2B5EF4-FFF2-40B4-BE49-F238E27FC236}">
+                <a16:creationId xmlns:a16="http://schemas.microsoft.com/office/drawing/2014/main" id="{AC522540-7994-D327-AA8C-27A41B38FA9C}"/>
+              </a:ext>
+            </a:extLst>
+          </p:cNvPr>
+          <p:cNvPicPr>
+            <a:picLocks noChangeAspect="1"/>
+          </p:cNvPicPr>
+          <p:nvPr/>
+        </p:nvPicPr>
+        <p:blipFill>
+          <a:blip r:embed="rId2">
+            <a:extLst>
+              <a:ext uri="{28A0092B-C50C-407E-A947-70E740481C1C}">
+                <a14:useLocalDpi xmlns:a14="http://schemas.microsoft.com/office/drawing/2010/main" val="0"/>
+              </a:ext>
+            </a:extLst>
+          </a:blip>
+          <a:stretch>
+            <a:fillRect/>
+          </a:stretch>
+        </p:blipFill>
+        <p:spPr>
+          <a:xfrm>
+            <a:off x="12051884" y="2000959"/>
+            <a:ext cx="9295839" cy="9767813"/>
+          </a:xfrm>
+          <a:prstGeom prst="rect">
+            <a:avLst/>
+          </a:prstGeom>
+        </p:spPr>
+      </p:pic>
+      <p:pic>
+        <p:nvPicPr>
+          <p:cNvPr id="7" name="图片 6">
+            <a:extLst>
+              <a:ext uri="{FF2B5EF4-FFF2-40B4-BE49-F238E27FC236}">
+                <a16:creationId xmlns:a16="http://schemas.microsoft.com/office/drawing/2014/main" id="{9433A53A-47D1-2301-1B7B-E4F17CE22CDC}"/>
+              </a:ext>
+            </a:extLst>
+          </p:cNvPr>
+          <p:cNvPicPr>
+            <a:picLocks noChangeAspect="1"/>
+          </p:cNvPicPr>
+          <p:nvPr/>
+        </p:nvPicPr>
+        <p:blipFill>
+          <a:blip r:embed="rId3">
+            <a:extLst>
+              <a:ext uri="{28A0092B-C50C-407E-A947-70E740481C1C}">
+                <a14:useLocalDpi xmlns:a14="http://schemas.microsoft.com/office/drawing/2010/main" val="0"/>
+              </a:ext>
+            </a:extLst>
+          </a:blip>
+          <a:stretch>
+            <a:fillRect/>
+          </a:stretch>
+        </p:blipFill>
+        <p:spPr>
+          <a:xfrm>
+            <a:off x="0" y="423226"/>
+            <a:ext cx="11345546" cy="11345546"/>
+          </a:xfrm>
+          <a:prstGeom prst="rect">
+            <a:avLst/>
+          </a:prstGeom>
+        </p:spPr>
+      </p:pic>
+    </p:spTree>
+    <p:extLst>
+      <p:ext uri="{BB962C8B-B14F-4D97-AF65-F5344CB8AC3E}">
+        <p14:creationId xmlns:p14="http://schemas.microsoft.com/office/powerpoint/2010/main" val="2667885417"/>
       </p:ext>
     </p:extLst>
   </p:cSld>

--- a/assets/img/New Microsoft PowerPoint Presentation.pptx
+++ b/assets/img/New Microsoft PowerPoint Presentation.pptx
@@ -245,7 +245,7 @@
           <a:p>
             <a:fld id="{31AA256B-FC77-4F48-8924-3ED8D94AD555}" type="datetimeFigureOut">
               <a:rPr lang="zh-CN" altLang="en-US" smtClean="0"/>
-              <a:t>2024/1/9</a:t>
+              <a:t>2024/4/28</a:t>
             </a:fld>
             <a:endParaRPr lang="zh-CN" altLang="en-US"/>
           </a:p>
@@ -415,7 +415,7 @@
           <a:p>
             <a:fld id="{31AA256B-FC77-4F48-8924-3ED8D94AD555}" type="datetimeFigureOut">
               <a:rPr lang="zh-CN" altLang="en-US" smtClean="0"/>
-              <a:t>2024/1/9</a:t>
+              <a:t>2024/4/28</a:t>
             </a:fld>
             <a:endParaRPr lang="zh-CN" altLang="en-US"/>
           </a:p>
@@ -595,7 +595,7 @@
           <a:p>
             <a:fld id="{31AA256B-FC77-4F48-8924-3ED8D94AD555}" type="datetimeFigureOut">
               <a:rPr lang="zh-CN" altLang="en-US" smtClean="0"/>
-              <a:t>2024/1/9</a:t>
+              <a:t>2024/4/28</a:t>
             </a:fld>
             <a:endParaRPr lang="zh-CN" altLang="en-US"/>
           </a:p>
@@ -765,7 +765,7 @@
           <a:p>
             <a:fld id="{31AA256B-FC77-4F48-8924-3ED8D94AD555}" type="datetimeFigureOut">
               <a:rPr lang="zh-CN" altLang="en-US" smtClean="0"/>
-              <a:t>2024/1/9</a:t>
+              <a:t>2024/4/28</a:t>
             </a:fld>
             <a:endParaRPr lang="zh-CN" altLang="en-US"/>
           </a:p>
@@ -1011,7 +1011,7 @@
           <a:p>
             <a:fld id="{31AA256B-FC77-4F48-8924-3ED8D94AD555}" type="datetimeFigureOut">
               <a:rPr lang="zh-CN" altLang="en-US" smtClean="0"/>
-              <a:t>2024/1/9</a:t>
+              <a:t>2024/4/28</a:t>
             </a:fld>
             <a:endParaRPr lang="zh-CN" altLang="en-US"/>
           </a:p>
@@ -1243,7 +1243,7 @@
           <a:p>
             <a:fld id="{31AA256B-FC77-4F48-8924-3ED8D94AD555}" type="datetimeFigureOut">
               <a:rPr lang="zh-CN" altLang="en-US" smtClean="0"/>
-              <a:t>2024/1/9</a:t>
+              <a:t>2024/4/28</a:t>
             </a:fld>
             <a:endParaRPr lang="zh-CN" altLang="en-US"/>
           </a:p>
@@ -1610,7 +1610,7 @@
           <a:p>
             <a:fld id="{31AA256B-FC77-4F48-8924-3ED8D94AD555}" type="datetimeFigureOut">
               <a:rPr lang="zh-CN" altLang="en-US" smtClean="0"/>
-              <a:t>2024/1/9</a:t>
+              <a:t>2024/4/28</a:t>
             </a:fld>
             <a:endParaRPr lang="zh-CN" altLang="en-US"/>
           </a:p>
@@ -1728,7 +1728,7 @@
           <a:p>
             <a:fld id="{31AA256B-FC77-4F48-8924-3ED8D94AD555}" type="datetimeFigureOut">
               <a:rPr lang="zh-CN" altLang="en-US" smtClean="0"/>
-              <a:t>2024/1/9</a:t>
+              <a:t>2024/4/28</a:t>
             </a:fld>
             <a:endParaRPr lang="zh-CN" altLang="en-US"/>
           </a:p>
@@ -1823,7 +1823,7 @@
           <a:p>
             <a:fld id="{31AA256B-FC77-4F48-8924-3ED8D94AD555}" type="datetimeFigureOut">
               <a:rPr lang="zh-CN" altLang="en-US" smtClean="0"/>
-              <a:t>2024/1/9</a:t>
+              <a:t>2024/4/28</a:t>
             </a:fld>
             <a:endParaRPr lang="zh-CN" altLang="en-US"/>
           </a:p>
@@ -2100,7 +2100,7 @@
           <a:p>
             <a:fld id="{31AA256B-FC77-4F48-8924-3ED8D94AD555}" type="datetimeFigureOut">
               <a:rPr lang="zh-CN" altLang="en-US" smtClean="0"/>
-              <a:t>2024/1/9</a:t>
+              <a:t>2024/4/28</a:t>
             </a:fld>
             <a:endParaRPr lang="zh-CN" altLang="en-US"/>
           </a:p>
@@ -2357,7 +2357,7 @@
           <a:p>
             <a:fld id="{31AA256B-FC77-4F48-8924-3ED8D94AD555}" type="datetimeFigureOut">
               <a:rPr lang="zh-CN" altLang="en-US" smtClean="0"/>
-              <a:t>2024/1/9</a:t>
+              <a:t>2024/4/28</a:t>
             </a:fld>
             <a:endParaRPr lang="zh-CN" altLang="en-US"/>
           </a:p>
@@ -2570,7 +2570,7 @@
           <a:p>
             <a:fld id="{31AA256B-FC77-4F48-8924-3ED8D94AD555}" type="datetimeFigureOut">
               <a:rPr lang="zh-CN" altLang="en-US" smtClean="0"/>
-              <a:t>2024/1/9</a:t>
+              <a:t>2024/4/28</a:t>
             </a:fld>
             <a:endParaRPr lang="zh-CN" altLang="en-US"/>
           </a:p>
@@ -3638,10 +3638,10 @@
       </p:grpSpPr>
       <p:pic>
         <p:nvPicPr>
-          <p:cNvPr id="5" name="图片 4">
+          <p:cNvPr id="7" name="图片 6">
             <a:extLst>
               <a:ext uri="{FF2B5EF4-FFF2-40B4-BE49-F238E27FC236}">
-                <a16:creationId xmlns:a16="http://schemas.microsoft.com/office/drawing/2014/main" id="{AC522540-7994-D327-AA8C-27A41B38FA9C}"/>
+                <a16:creationId xmlns:a16="http://schemas.microsoft.com/office/drawing/2014/main" id="{9433A53A-47D1-2301-1B7B-E4F17CE22CDC}"/>
               </a:ext>
             </a:extLst>
           </p:cNvPr>
@@ -3664,8 +3664,8 @@
         </p:blipFill>
         <p:spPr>
           <a:xfrm>
-            <a:off x="12051884" y="2000959"/>
-            <a:ext cx="9295839" cy="9767813"/>
+            <a:off x="0" y="423226"/>
+            <a:ext cx="11345546" cy="11345546"/>
           </a:xfrm>
           <a:prstGeom prst="rect">
             <a:avLst/>
@@ -3674,10 +3674,10 @@
       </p:pic>
       <p:pic>
         <p:nvPicPr>
-          <p:cNvPr id="7" name="图片 6">
+          <p:cNvPr id="3" name="图片 2">
             <a:extLst>
               <a:ext uri="{FF2B5EF4-FFF2-40B4-BE49-F238E27FC236}">
-                <a16:creationId xmlns:a16="http://schemas.microsoft.com/office/drawing/2014/main" id="{9433A53A-47D1-2301-1B7B-E4F17CE22CDC}"/>
+                <a16:creationId xmlns:a16="http://schemas.microsoft.com/office/drawing/2014/main" id="{FC91E21D-0839-A326-4ED9-F32EF2B1DC88}"/>
               </a:ext>
             </a:extLst>
           </p:cNvPr>
@@ -3686,7 +3686,7 @@
           </p:cNvPicPr>
           <p:nvPr/>
         </p:nvPicPr>
-        <p:blipFill>
+        <p:blipFill rotWithShape="1">
           <a:blip r:embed="rId3">
             <a:extLst>
               <a:ext uri="{28A0092B-C50C-407E-A947-70E740481C1C}">
@@ -3694,14 +3694,13 @@
               </a:ext>
             </a:extLst>
           </a:blip>
-          <a:stretch>
-            <a:fillRect/>
-          </a:stretch>
+          <a:srcRect l="25410" t="7471" r="33559"/>
+          <a:stretch/>
         </p:blipFill>
         <p:spPr>
           <a:xfrm>
-            <a:off x="0" y="423226"/>
-            <a:ext cx="11345546" cy="11345546"/>
+            <a:off x="12082010" y="2001972"/>
+            <a:ext cx="9355509" cy="9766800"/>
           </a:xfrm>
           <a:prstGeom prst="rect">
             <a:avLst/>
